--- a/presentations/ICMPC23/Music@HomeICMPC23.pptx
+++ b/presentations/ICMPC23/Music@HomeICMPC23.pptx
@@ -255,7 +255,7 @@
       <p15:sldGuideLst xmlns:p15="http://schemas.microsoft.com/office/powerpoint/2012/main"/>
     </p:ext>
     <p:ext uri="http://customooxmlschemas.google.com/">
-      <go:slidesCustomData xmlns:go="http://customooxmlschemas.google.com/" xmlns:ahyp="http://schemas.microsoft.com/office/drawing/2018/hyperlinkcolor" xmlns:p15="http://schemas.microsoft.com/office/powerpoint/2012/main" xmlns:p14="http://schemas.microsoft.com/office/powerpoint/2010/main" xmlns:com="http://schemas.openxmlformats.org/drawingml/2006/compatibility" xmlns:pvml="urn:schemas-microsoft-com:office:powerpoint" xmlns:v="urn:schemas-microsoft-com:vml" xmlns:o="urn:schemas-microsoft-com:office:office" xmlns:dgm="http://schemas.openxmlformats.org/drawingml/2006/diagram" xmlns:c="http://schemas.openxmlformats.org/drawingml/2006/chart" xmlns:mv="urn:schemas-microsoft-com:mac:vml" xmlns:mc="http://schemas.openxmlformats.org/markup-compatibility/2006" xmlns="" r:id="rId12" roundtripDataSignature="AMtx7mgUZ/EanI988gELEzf8evnhnh3MyA=="/>
+      <go:slidesCustomData xmlns="" xmlns:mc="http://schemas.openxmlformats.org/markup-compatibility/2006" xmlns:mv="urn:schemas-microsoft-com:mac:vml" xmlns:c="http://schemas.openxmlformats.org/drawingml/2006/chart" xmlns:dgm="http://schemas.openxmlformats.org/drawingml/2006/diagram" xmlns:o="urn:schemas-microsoft-com:office:office" xmlns:v="urn:schemas-microsoft-com:vml" xmlns:pvml="urn:schemas-microsoft-com:office:powerpoint" xmlns:com="http://schemas.openxmlformats.org/drawingml/2006/compatibility" xmlns:p14="http://schemas.microsoft.com/office/powerpoint/2010/main" xmlns:p15="http://schemas.microsoft.com/office/powerpoint/2012/main" xmlns:ahyp="http://schemas.microsoft.com/office/drawing/2018/hyperlinkcolor" xmlns:go="http://customooxmlschemas.google.com/" r:id="rId12" roundtripDataSignature="AMtx7mgUZ/EanI988gELEzf8evnhnh3MyA=="/>
     </p:ext>
   </p:extLst>
 </p:presentation>
@@ -263,9 +263,53 @@
 
 <file path=ppt/authors.xml><?xml version="1.0" encoding="utf-8"?>
 <p188:authorLst xmlns:a="http://schemas.openxmlformats.org/drawingml/2006/main" xmlns:r="http://schemas.openxmlformats.org/officeDocument/2006/relationships" xmlns:p188="http://schemas.microsoft.com/office/powerpoint/2018/8/main">
+  <p188:author id="{3F48322D-04D2-3C56-DD47-32AADFB8DFD4}" name="Psyche Loui" initials="PL" userId="Psyche Loui" providerId="None"/>
   <p188:author id="{8443ED59-20C7-4FDF-8DCA-8A14D1AA1C8C}" name="Microsoft Office User" initials="MOU" userId="Microsoft Office User" providerId="None"/>
   <p188:author id="{69476EAC-FB54-8C2F-AB79-40A1C2D50B41}" name="Nicholas Kathios" initials="NK" userId="S::kathios.n@northeastern.edu::77c2cf40-b9b3-4832-a38c-f57aba02b305" providerId="AD"/>
 </p188:authorLst>
+</file>
+
+<file path=ppt/comments/modernComment_100_0.xml><?xml version="1.0" encoding="utf-8"?>
+<p188:cmLst xmlns:a="http://schemas.openxmlformats.org/drawingml/2006/main" xmlns:r="http://schemas.openxmlformats.org/officeDocument/2006/relationships" xmlns:p188="http://schemas.microsoft.com/office/powerpoint/2018/8/main">
+  <p188:cm id="{D29F9AA6-8810-644C-BE00-146C3E495B86}" authorId="{3F48322D-04D2-3C56-DD47-32AADFB8DFD4}" created="2023-08-18T21:13:09.670">
+    <ac:txMkLst xmlns:ac="http://schemas.microsoft.com/office/drawing/2013/main/command">
+      <pc:docMk xmlns:pc="http://schemas.microsoft.com/office/powerpoint/2013/main/command"/>
+      <pc:sldMk xmlns:pc="http://schemas.microsoft.com/office/powerpoint/2013/main/command" cId="0" sldId="256"/>
+      <ac:spMk id="23" creationId="{74B5EF5A-76E9-90AA-2945-8572FE7EFDC6}"/>
+      <ac:txMk cp="66" len="24">
+        <ac:context len="1091" hash="1773459945"/>
+      </ac:txMk>
+    </ac:txMkLst>
+    <p188:pos x="4015741" y="1427784"/>
+    <p188:txBody>
+      <a:bodyPr/>
+      <a:lstStyle/>
+      <a:p>
+        <a:r>
+          <a:rPr lang="en-US"/>
+          <a:t>For this and the other time we say “recruited from other experiment”: maybe cite the other experiment or a preprint thereof?</a:t>
+        </a:r>
+      </a:p>
+    </p188:txBody>
+  </p188:cm>
+  <p188:cm id="{60813D21-855E-E544-BC86-C03DDE1FD1C0}" authorId="{3F48322D-04D2-3C56-DD47-32AADFB8DFD4}" created="2023-08-18T21:23:10.978">
+    <ac:deMkLst xmlns:ac="http://schemas.microsoft.com/office/drawing/2013/main/command">
+      <pc:docMk xmlns:pc="http://schemas.microsoft.com/office/powerpoint/2013/main/command"/>
+      <pc:sldMk xmlns:pc="http://schemas.microsoft.com/office/powerpoint/2013/main/command" cId="0" sldId="256"/>
+      <ac:picMk id="46" creationId="{ECD67B69-7985-B5CE-1ECB-5ADEF7EF4FBE}"/>
+    </ac:deMkLst>
+    <p188:txBody>
+      <a:bodyPr/>
+      <a:lstStyle/>
+      <a:p>
+        <a:r>
+          <a:rPr lang="en-US"/>
+          <a:t>It is so interesting that multiple M@H:R factors correlate with SRQ! I added a bullet point about it in the Discussion but maybe we can also pull this out as a scatterplot?</a:t>
+        </a:r>
+      </a:p>
+    </p188:txBody>
+  </p188:cm>
+</p188:cmLst>
 </file>
 
 <file path=ppt/notesMasters/notesMaster1.xml><?xml version="1.0" encoding="utf-8"?>
@@ -9489,6 +9533,66 @@
           <a:chExt cx="0" cy="0"/>
         </a:xfrm>
       </p:grpSpPr>
+      <p:pic>
+        <p:nvPicPr>
+          <p:cNvPr id="4" name="Picture 3">
+            <a:extLst>
+              <a:ext uri="{FF2B5EF4-FFF2-40B4-BE49-F238E27FC236}">
+                <a16:creationId xmlns:a16="http://schemas.microsoft.com/office/drawing/2014/main" id="{E8867100-8964-2DD1-7165-4AFDECCB3241}"/>
+              </a:ext>
+            </a:extLst>
+          </p:cNvPr>
+          <p:cNvPicPr>
+            <a:picLocks noChangeAspect="1"/>
+          </p:cNvPicPr>
+          <p:nvPr/>
+        </p:nvPicPr>
+        <p:blipFill>
+          <a:blip r:embed="rId4"/>
+          <a:stretch>
+            <a:fillRect/>
+          </a:stretch>
+        </p:blipFill>
+        <p:spPr>
+          <a:xfrm>
+            <a:off x="21886123" y="4081993"/>
+            <a:ext cx="5321828" cy="3274971"/>
+          </a:xfrm>
+          <a:prstGeom prst="rect">
+            <a:avLst/>
+          </a:prstGeom>
+        </p:spPr>
+      </p:pic>
+      <p:pic>
+        <p:nvPicPr>
+          <p:cNvPr id="8" name="Picture 7">
+            <a:extLst>
+              <a:ext uri="{FF2B5EF4-FFF2-40B4-BE49-F238E27FC236}">
+                <a16:creationId xmlns:a16="http://schemas.microsoft.com/office/drawing/2014/main" id="{715766C9-C65C-6FE7-C9C7-9CB49725896A}"/>
+              </a:ext>
+            </a:extLst>
+          </p:cNvPr>
+          <p:cNvPicPr>
+            <a:picLocks noChangeAspect="1"/>
+          </p:cNvPicPr>
+          <p:nvPr/>
+        </p:nvPicPr>
+        <p:blipFill>
+          <a:blip r:embed="rId5"/>
+          <a:stretch>
+            <a:fillRect/>
+          </a:stretch>
+        </p:blipFill>
+        <p:spPr>
+          <a:xfrm>
+            <a:off x="21886123" y="7367933"/>
+            <a:ext cx="5321829" cy="3274971"/>
+          </a:xfrm>
+          <a:prstGeom prst="rect">
+            <a:avLst/>
+          </a:prstGeom>
+        </p:spPr>
+      </p:pic>
       <p:sp>
         <p:nvSpPr>
           <p:cNvPr id="13" name="Google Shape;165;p1">
@@ -9503,14 +9607,14 @@
         </p:nvSpPr>
         <p:spPr>
           <a:xfrm>
-            <a:off x="136139" y="17268600"/>
-            <a:ext cx="9542907" cy="1807302"/>
+            <a:off x="195765" y="11742994"/>
+            <a:ext cx="9659704" cy="2933975"/>
           </a:xfrm>
           <a:prstGeom prst="rect">
             <a:avLst/>
           </a:prstGeom>
           <a:solidFill>
-            <a:srgbClr val="E7D3E1"/>
+            <a:srgbClr val="CA99A4"/>
           </a:solidFill>
           <a:ln w="12700" cap="flat" cmpd="sng">
             <a:noFill/>
@@ -9542,7 +9646,7 @@
         </p:nvSpPr>
         <p:spPr>
           <a:xfrm>
-            <a:off x="0" y="8825665"/>
+            <a:off x="0" y="0"/>
             <a:ext cx="30175200" cy="3041966"/>
           </a:xfrm>
           <a:prstGeom prst="rect">
@@ -9618,55 +9722,7 @@
                 <a:cs typeface="Arial" panose="020B0604020202020204" pitchFamily="34" charset="0"/>
                 <a:sym typeface="Helvetica Neue"/>
               </a:rPr>
-              <a:t>Kelsie Lopez, Nicholas </a:t>
-            </a:r>
-            <a:r>
-              <a:rPr lang="en-US" sz="3300" dirty="0" err="1">
-                <a:solidFill>
-                  <a:schemeClr val="lt1"/>
-                </a:solidFill>
-                <a:latin typeface="Arial" panose="020B0604020202020204" pitchFamily="34" charset="0"/>
-                <a:ea typeface="Helvetica Neue"/>
-                <a:cs typeface="Arial" panose="020B0604020202020204" pitchFamily="34" charset="0"/>
-                <a:sym typeface="Helvetica Neue"/>
-              </a:rPr>
-              <a:t>Kathios</a:t>
-            </a:r>
-            <a:r>
-              <a:rPr lang="en-US" sz="3300" dirty="0">
-                <a:solidFill>
-                  <a:schemeClr val="lt1"/>
-                </a:solidFill>
-                <a:latin typeface="Arial" panose="020B0604020202020204" pitchFamily="34" charset="0"/>
-                <a:ea typeface="Helvetica Neue"/>
-                <a:cs typeface="Arial" panose="020B0604020202020204" pitchFamily="34" charset="0"/>
-                <a:sym typeface="Helvetica Neue"/>
-              </a:rPr>
-              <a:t>, Laurel </a:t>
-            </a:r>
-            <a:r>
-              <a:rPr lang="en-US" sz="3300" dirty="0" err="1">
-                <a:solidFill>
-                  <a:schemeClr val="lt1"/>
-                </a:solidFill>
-                <a:latin typeface="Arial" panose="020B0604020202020204" pitchFamily="34" charset="0"/>
-                <a:ea typeface="Helvetica Neue"/>
-                <a:cs typeface="Arial" panose="020B0604020202020204" pitchFamily="34" charset="0"/>
-                <a:sym typeface="Helvetica Neue"/>
-              </a:rPr>
-              <a:t>Gabard-Durnam</a:t>
-            </a:r>
-            <a:r>
-              <a:rPr lang="en-US" sz="3300" dirty="0">
-                <a:solidFill>
-                  <a:schemeClr val="lt1"/>
-                </a:solidFill>
-                <a:latin typeface="Arial" panose="020B0604020202020204" pitchFamily="34" charset="0"/>
-                <a:ea typeface="Helvetica Neue"/>
-                <a:cs typeface="Arial" panose="020B0604020202020204" pitchFamily="34" charset="0"/>
-                <a:sym typeface="Helvetica Neue"/>
-              </a:rPr>
-              <a:t>, Psyche Loui  </a:t>
+              <a:t>Kelsie Lopez,* Nicholas Kathios,* Laurel Gabard-Durnam,^ Psyche Loui^</a:t>
             </a:r>
             <a:endParaRPr lang="en-US" sz="330" dirty="0">
               <a:latin typeface="Arial" panose="020B0604020202020204" pitchFamily="34" charset="0"/>
@@ -9702,7 +9758,7 @@
         </p:nvSpPr>
         <p:spPr>
           <a:xfrm>
-            <a:off x="20159201" y="19691940"/>
+            <a:off x="20403076" y="21265164"/>
             <a:ext cx="9495512" cy="9687473"/>
           </a:xfrm>
           <a:prstGeom prst="rect">
@@ -9729,7 +9785,7 @@
               <a:buChar char="•"/>
             </a:pPr>
             <a:r>
-              <a:rPr lang="en-US" sz="2202" dirty="0">
+              <a:rPr lang="en-US" sz="3000" dirty="0">
                 <a:solidFill>
                   <a:schemeClr val="dk1"/>
                 </a:solidFill>
@@ -9741,7 +9797,7 @@
               <a:t>Exploratory and confirmatory analyses revealed a five-factor solution to the </a:t>
             </a:r>
             <a:r>
-              <a:rPr lang="en-US" sz="2202" dirty="0" err="1">
+              <a:rPr lang="en-US" sz="3000" dirty="0" err="1">
                 <a:solidFill>
                   <a:schemeClr val="dk1"/>
                 </a:solidFill>
@@ -9753,7 +9809,7 @@
               <a:t>Music@Home</a:t>
             </a:r>
             <a:r>
-              <a:rPr lang="en-US" sz="2202" dirty="0">
+              <a:rPr lang="en-US" sz="3000" dirty="0">
                 <a:solidFill>
                   <a:schemeClr val="dk1"/>
                 </a:solidFill>
@@ -9765,7 +9821,7 @@
               <a:t> – Retrospective, with three factors maintained from the original </a:t>
             </a:r>
             <a:r>
-              <a:rPr lang="en-US" sz="2202" dirty="0" err="1">
+              <a:rPr lang="en-US" sz="3000" dirty="0" err="1">
                 <a:solidFill>
                   <a:schemeClr val="dk1"/>
                 </a:solidFill>
@@ -9777,7 +9833,7 @@
               <a:t>Music@Home</a:t>
             </a:r>
             <a:r>
-              <a:rPr lang="en-US" sz="2202" dirty="0">
+              <a:rPr lang="en-US" sz="3000" dirty="0">
                 <a:solidFill>
                   <a:schemeClr val="dk1"/>
                 </a:solidFill>
@@ -9786,7 +9842,7 @@
                 <a:cs typeface="Arial" panose="020B0604020202020204" pitchFamily="34" charset="0"/>
                 <a:sym typeface="Helvetica Neue"/>
               </a:rPr>
-              <a:t> scale (Caregiver Beliefs, Caregiver Initiation of Singing, and Child Engagement with Music) and two novel factors (Attitude towards Childhood Home Musical Environment and Social Listening Contexts)</a:t>
+              <a:t> scale: Caregiver Beliefs, Caregiver Initiation of Singing, and Child Engagement with Music, and two novel factors: Attitude towards Childhood Home Musical Environment and Social Listening Contexts.</a:t>
             </a:r>
           </a:p>
           <a:p>
@@ -9795,7 +9851,7 @@
               <a:buChar char="•"/>
             </a:pPr>
             <a:r>
-              <a:rPr lang="en-US" sz="2202" dirty="0">
+              <a:rPr lang="en-US" sz="3000" dirty="0">
                 <a:solidFill>
                   <a:schemeClr val="dk1"/>
                 </a:solidFill>
@@ -9804,7 +9860,7 @@
                 <a:cs typeface="Arial" panose="020B0604020202020204" pitchFamily="34" charset="0"/>
                 <a:sym typeface="Helvetica Neue"/>
               </a:rPr>
-              <a:t>Caregiver Beliefs and Child Engagement with Music scores were significantly positively correlated with MET – Melodic scores, suggesting that early musical engagement imparts lasting improvements in auditory perception</a:t>
+              <a:t>Multiple M@HR factors correlate with Social Reward Questionnaire, suggesting a relationship between home musical environment and social reward sensitivity.</a:t>
             </a:r>
           </a:p>
           <a:p>
@@ -9813,7 +9869,7 @@
               <a:buChar char="•"/>
             </a:pPr>
             <a:r>
-              <a:rPr lang="en-US" sz="2202" dirty="0">
+              <a:rPr lang="en-US" sz="3000" dirty="0">
                 <a:solidFill>
                   <a:schemeClr val="dk1"/>
                 </a:solidFill>
@@ -9822,7 +9878,25 @@
                 <a:cs typeface="Arial" panose="020B0604020202020204" pitchFamily="34" charset="0"/>
                 <a:sym typeface="Helvetica Neue"/>
               </a:rPr>
-              <a:t>Caregiver Initiation of Singing scores were significantly negatively correlated with levels of adult anxiety, suggesting caregiver singing during this time might result in lower baseline levels of anxiety or improved emotion regulation abilities in adulthood</a:t>
+              <a:t>Caregiver Beliefs and Child Engagement with Music scores were significantly positively correlated with MET – Melodic scores, suggesting that early musical engagement imparts lasting improvements in auditory perception.</a:t>
+            </a:r>
+          </a:p>
+          <a:p>
+            <a:pPr marL="314378" indent="-314378" algn="just" fontAlgn="base">
+              <a:buFont typeface="Arial" panose="020B0604020202020204" pitchFamily="34" charset="0"/>
+              <a:buChar char="•"/>
+            </a:pPr>
+            <a:r>
+              <a:rPr lang="en-US" sz="3000" dirty="0">
+                <a:solidFill>
+                  <a:schemeClr val="dk1"/>
+                </a:solidFill>
+                <a:latin typeface="Arial" panose="020B0604020202020204" pitchFamily="34" charset="0"/>
+                <a:ea typeface="Helvetica Neue"/>
+                <a:cs typeface="Arial" panose="020B0604020202020204" pitchFamily="34" charset="0"/>
+                <a:sym typeface="Helvetica Neue"/>
+              </a:rPr>
+              <a:t>Caregiver Initiation of Singing scores were significantly negatively correlated with levels of adult anxiety, suggesting caregiver singing during this time might result in lower baseline levels of anxiety or improved emotion regulation abilities in adulthood.</a:t>
             </a:r>
           </a:p>
         </p:txBody>
@@ -10081,7 +10155,7 @@
           <p:nvPr/>
         </p:nvPicPr>
         <p:blipFill rotWithShape="1">
-          <a:blip r:embed="rId3">
+          <a:blip r:embed="rId6">
             <a:alphaModFix/>
           </a:blip>
           <a:srcRect/>
@@ -10089,7 +10163,7 @@
         </p:blipFill>
         <p:spPr>
           <a:xfrm>
-            <a:off x="1205898" y="9232174"/>
+            <a:off x="1205898" y="406509"/>
             <a:ext cx="2498105" cy="2379173"/>
           </a:xfrm>
           <a:prstGeom prst="rect">
@@ -10109,8 +10183,8 @@
         </p:nvSpPr>
         <p:spPr>
           <a:xfrm>
-            <a:off x="261137" y="12017858"/>
-            <a:ext cx="9540689" cy="886397"/>
+            <a:off x="136139" y="3176201"/>
+            <a:ext cx="9784080" cy="886397"/>
           </a:xfrm>
           <a:prstGeom prst="rect">
             <a:avLst/>
@@ -10160,7 +10234,7 @@
         </p:nvSpPr>
         <p:spPr>
           <a:xfrm>
-            <a:off x="20312627" y="18657980"/>
+            <a:off x="20407282" y="20136179"/>
             <a:ext cx="9542907" cy="885100"/>
           </a:xfrm>
           <a:prstGeom prst="rect">
@@ -10211,7 +10285,7 @@
         </p:nvSpPr>
         <p:spPr>
           <a:xfrm>
-            <a:off x="20114024" y="25838411"/>
+            <a:off x="20409499" y="33770612"/>
             <a:ext cx="9540689" cy="743509"/>
           </a:xfrm>
           <a:prstGeom prst="rect">
@@ -10262,8 +10336,8 @@
         </p:nvSpPr>
         <p:spPr>
           <a:xfrm>
-            <a:off x="10218005" y="12019155"/>
-            <a:ext cx="9542907" cy="885100"/>
+            <a:off x="10203691" y="3176201"/>
+            <a:ext cx="9784080" cy="885100"/>
           </a:xfrm>
           <a:prstGeom prst="rect">
             <a:avLst/>
@@ -10319,8 +10393,8 @@
         </p:nvSpPr>
         <p:spPr>
           <a:xfrm>
-            <a:off x="173935" y="12969379"/>
-            <a:ext cx="9540689" cy="14669811"/>
+            <a:off x="151692" y="4089354"/>
+            <a:ext cx="9745235" cy="6754943"/>
           </a:xfrm>
           <a:prstGeom prst="rect">
             <a:avLst/>
@@ -10346,7 +10420,7 @@
               <a:buChar char="•"/>
             </a:pPr>
             <a:r>
-              <a:rPr lang="en-US" sz="2202" dirty="0">
+              <a:rPr lang="en-US" sz="3000" dirty="0">
                 <a:solidFill>
                   <a:schemeClr val="dk1"/>
                 </a:solidFill>
@@ -10355,10 +10429,10 @@
                 <a:cs typeface="Arial" panose="020B0604020202020204" pitchFamily="34" charset="0"/>
                 <a:sym typeface="Helvetica Neue"/>
               </a:rPr>
-              <a:t>Heightened brain plasticity during early childhood facilitates experiences impart lasting effects on individuals</a:t>
-            </a:r>
-            <a:r>
-              <a:rPr lang="en-US" sz="2202" baseline="30000" dirty="0">
+              <a:t>Heightened brain plasticity during early childhood facilitates experiences that impart lasting effects on individuals</a:t>
+            </a:r>
+            <a:r>
+              <a:rPr lang="en-US" sz="3000" baseline="30000" dirty="0">
                 <a:solidFill>
                   <a:schemeClr val="dk1"/>
                 </a:solidFill>
@@ -10369,7 +10443,7 @@
               </a:rPr>
               <a:t>1</a:t>
             </a:r>
-            <a:endParaRPr lang="en-US" sz="2202" dirty="0">
+            <a:endParaRPr lang="en-US" sz="3000" dirty="0">
               <a:solidFill>
                 <a:schemeClr val="dk1"/>
               </a:solidFill>
@@ -10385,7 +10459,7 @@
               <a:buChar char="•"/>
             </a:pPr>
             <a:r>
-              <a:rPr lang="en-US" sz="2202" dirty="0">
+              <a:rPr lang="en-US" sz="3000" dirty="0">
                 <a:solidFill>
                   <a:schemeClr val="dk1"/>
                 </a:solidFill>
@@ -10394,10 +10468,10 @@
                 <a:cs typeface="Arial" panose="020B0604020202020204" pitchFamily="34" charset="0"/>
                 <a:sym typeface="Helvetica Neue"/>
               </a:rPr>
-              <a:t>Survey, interview, and in-home recording studies have shown that many children engage in informal musical activities (such as spontaneous singing, being sung to, and playing with musical toys) starting in infancy and extending throughout childhood</a:t>
-            </a:r>
-            <a:r>
-              <a:rPr lang="en-US" sz="2202" baseline="30000" dirty="0">
+              <a:t>Survey and in-home recording studies have shown that many children engage in informal musical activities (such as spontaneous singing, being sung to, and playing with musical toys) starting in infancy and extending throughout childhood</a:t>
+            </a:r>
+            <a:r>
+              <a:rPr lang="en-US" sz="3000" baseline="30000" dirty="0">
                 <a:solidFill>
                   <a:schemeClr val="dk1"/>
                 </a:solidFill>
@@ -10406,9 +10480,9 @@
                 <a:cs typeface="Arial" panose="020B0604020202020204" pitchFamily="34" charset="0"/>
                 <a:sym typeface="Helvetica Neue"/>
               </a:rPr>
-              <a:t>2</a:t>
-            </a:r>
-            <a:endParaRPr lang="en-US" sz="2202" dirty="0">
+              <a:t>2,3</a:t>
+            </a:r>
+            <a:endParaRPr lang="en-US" sz="3000" dirty="0">
               <a:solidFill>
                 <a:schemeClr val="dk1"/>
               </a:solidFill>
@@ -10424,7 +10498,7 @@
               <a:buChar char="•"/>
             </a:pPr>
             <a:r>
-              <a:rPr lang="en-US" sz="2202" dirty="0">
+              <a:rPr lang="en-US" sz="3000" dirty="0">
                 <a:solidFill>
                   <a:schemeClr val="dk1"/>
                 </a:solidFill>
@@ -10436,7 +10510,7 @@
               <a:t>Both early passive music exposure &amp; formal musical training have lasting effects on music perception, cognition, and brain structure</a:t>
             </a:r>
             <a:r>
-              <a:rPr lang="en-US" sz="2202" baseline="30000" dirty="0">
+              <a:rPr lang="en-US" sz="3000" baseline="30000" dirty="0">
                 <a:solidFill>
                   <a:schemeClr val="dk1"/>
                 </a:solidFill>
@@ -10445,9 +10519,9 @@
                 <a:cs typeface="Arial" panose="020B0604020202020204" pitchFamily="34" charset="0"/>
                 <a:sym typeface="Helvetica Neue"/>
               </a:rPr>
-              <a:t>3</a:t>
-            </a:r>
-            <a:endParaRPr lang="en-US" sz="2202" b="1" dirty="0">
+              <a:t>4,5</a:t>
+            </a:r>
+            <a:endParaRPr lang="en-US" sz="3000" b="1" dirty="0">
               <a:solidFill>
                 <a:schemeClr val="dk1"/>
               </a:solidFill>
@@ -10463,7 +10537,7 @@
               <a:buChar char="•"/>
             </a:pPr>
             <a:r>
-              <a:rPr lang="en-US" sz="2202" dirty="0">
+              <a:rPr lang="en-US" sz="3000" dirty="0">
                 <a:solidFill>
                   <a:schemeClr val="dk1"/>
                 </a:solidFill>
@@ -10475,7 +10549,7 @@
               <a:t>The only existing measure of the home musical environment, the Music@Home scale</a:t>
             </a:r>
             <a:r>
-              <a:rPr lang="en-US" sz="2202" baseline="30000" dirty="0">
+              <a:rPr lang="en-US" sz="3000" baseline="30000" dirty="0">
                 <a:solidFill>
                   <a:schemeClr val="dk1"/>
                 </a:solidFill>
@@ -10484,10 +10558,10 @@
                 <a:cs typeface="Arial" panose="020B0604020202020204" pitchFamily="34" charset="0"/>
                 <a:sym typeface="Helvetica Neue"/>
               </a:rPr>
-              <a:t>4</a:t>
-            </a:r>
-            <a:r>
-              <a:rPr lang="en-US" sz="2202" dirty="0">
+              <a:t>6</a:t>
+            </a:r>
+            <a:r>
+              <a:rPr lang="en-US" sz="3000" dirty="0">
                 <a:solidFill>
                   <a:schemeClr val="dk1"/>
                 </a:solidFill>
@@ -10504,7 +10578,7 @@
               <a:buFont typeface="Arial" panose="020B0604020202020204" pitchFamily="34" charset="0"/>
               <a:buChar char="•"/>
             </a:pPr>
-            <a:endParaRPr lang="en-US" sz="2202" dirty="0">
+            <a:endParaRPr lang="en-US" sz="2800" dirty="0">
               <a:solidFill>
                 <a:schemeClr val="dk1"/>
               </a:solidFill>
@@ -10516,7 +10590,7 @@
           </a:p>
           <a:p>
             <a:r>
-              <a:rPr lang="en-US" sz="2202" dirty="0">
+              <a:rPr lang="en-US" sz="3000" dirty="0">
                 <a:solidFill>
                   <a:schemeClr val="dk1"/>
                 </a:solidFill>
@@ -10528,7 +10602,7 @@
               <a:t>Here, we present the </a:t>
             </a:r>
             <a:r>
-              <a:rPr lang="en-US" sz="2202" dirty="0" err="1">
+              <a:rPr lang="en-US" sz="3000" dirty="0" err="1">
                 <a:solidFill>
                   <a:schemeClr val="dk1"/>
                 </a:solidFill>
@@ -10540,7 +10614,7 @@
               <a:t>Music@Home-Retrospective</a:t>
             </a:r>
             <a:r>
-              <a:rPr lang="en-US" sz="2202" dirty="0">
+              <a:rPr lang="en-US" sz="3000" dirty="0">
                 <a:solidFill>
                   <a:schemeClr val="dk1"/>
                 </a:solidFill>
@@ -10568,8 +10642,8 @@
         </p:nvSpPr>
         <p:spPr>
           <a:xfrm>
-            <a:off x="20005413" y="12031068"/>
-            <a:ext cx="9542907" cy="885100"/>
+            <a:off x="20192040" y="3176201"/>
+            <a:ext cx="9784080" cy="885100"/>
           </a:xfrm>
           <a:prstGeom prst="rect">
             <a:avLst/>
@@ -10625,8 +10699,8 @@
         </p:nvSpPr>
         <p:spPr>
           <a:xfrm>
-            <a:off x="94756" y="19099880"/>
-            <a:ext cx="9540689" cy="886397"/>
+            <a:off x="112847" y="15215755"/>
+            <a:ext cx="9784080" cy="886397"/>
           </a:xfrm>
           <a:prstGeom prst="rect">
             <a:avLst/>
@@ -10683,14 +10757,14 @@
           <p:nvPr/>
         </p:nvPicPr>
         <p:blipFill>
-          <a:blip r:embed="rId4"/>
+          <a:blip r:embed="rId7"/>
           <a:stretch>
             <a:fillRect/>
           </a:stretch>
         </p:blipFill>
         <p:spPr>
           <a:xfrm>
-            <a:off x="27839690" y="9698448"/>
+            <a:off x="27835750" y="604624"/>
             <a:ext cx="2499455" cy="1982942"/>
           </a:xfrm>
           <a:prstGeom prst="rect">
@@ -10773,8 +10847,8 @@
         </p:nvSpPr>
         <p:spPr>
           <a:xfrm>
-            <a:off x="191037" y="27418692"/>
-            <a:ext cx="9542907" cy="1429025"/>
+            <a:off x="112847" y="29886586"/>
+            <a:ext cx="9784080" cy="1429025"/>
           </a:xfrm>
           <a:prstGeom prst="rect">
             <a:avLst/>
@@ -10854,7 +10928,7 @@
         </p:nvSpPr>
         <p:spPr>
           <a:xfrm>
-            <a:off x="10155019" y="20116801"/>
+            <a:off x="10518136" y="29562690"/>
             <a:ext cx="9542907" cy="885100"/>
           </a:xfrm>
           <a:prstGeom prst="rect">
@@ -10924,14 +10998,14 @@
           <p:nvPr/>
         </p:nvPicPr>
         <p:blipFill>
-          <a:blip r:embed="rId5"/>
+          <a:blip r:embed="rId8"/>
           <a:stretch>
             <a:fillRect/>
           </a:stretch>
         </p:blipFill>
         <p:spPr>
           <a:xfrm>
-            <a:off x="25574979" y="9415687"/>
+            <a:off x="25574979" y="271930"/>
             <a:ext cx="2498105" cy="2498105"/>
           </a:xfrm>
           <a:prstGeom prst="rect">
@@ -10954,11 +11028,11 @@
           <p:nvPr/>
         </p:nvPicPr>
         <p:blipFill>
-          <a:blip r:embed="rId6">
+          <a:blip r:embed="rId9">
             <a:extLst>
               <a:ext uri="{BEBA8EAE-BF5A-486C-A8C5-ECC9F3942E4B}">
                 <a14:imgProps xmlns:a14="http://schemas.microsoft.com/office/drawing/2010/main">
-                  <a14:imgLayer r:embed="rId7">
+                  <a14:imgLayer r:embed="rId10">
                     <a14:imgEffect>
                       <a14:backgroundRemoval t="4271" b="96171" l="2614" r="96932"/>
                     </a14:imgEffect>
@@ -10973,7 +11047,7 @@
         </p:blipFill>
         <p:spPr>
           <a:xfrm>
-            <a:off x="23907188" y="30631765"/>
+            <a:off x="23960364" y="39744818"/>
             <a:ext cx="457793" cy="353230"/>
           </a:xfrm>
           <a:prstGeom prst="rect">
@@ -10995,7 +11069,7 @@
         </p:nvSpPr>
         <p:spPr>
           <a:xfrm>
-            <a:off x="24364977" y="30692000"/>
+            <a:off x="24418157" y="39660143"/>
             <a:ext cx="2313644" cy="261290"/>
           </a:xfrm>
           <a:prstGeom prst="rect">
@@ -11014,7 +11088,7 @@
                 <a:latin typeface="Arial" panose="020B0604020202020204" pitchFamily="34" charset="0"/>
                 <a:cs typeface="Arial" panose="020B0604020202020204" pitchFamily="34" charset="0"/>
               </a:rPr>
-              <a:t>kathios.n@northeastern.edu</a:t>
+              <a:t>lopez.ke@northeastern.edu</a:t>
             </a:r>
             <a:endParaRPr lang="en-US" sz="1098" dirty="0">
               <a:latin typeface="Arial" panose="020B0604020202020204" pitchFamily="34" charset="0"/>
@@ -11038,14 +11112,14 @@
           <p:nvPr/>
         </p:nvPicPr>
         <p:blipFill>
-          <a:blip r:embed="rId8"/>
+          <a:blip r:embed="rId11"/>
           <a:stretch>
             <a:fillRect/>
           </a:stretch>
         </p:blipFill>
         <p:spPr>
           <a:xfrm>
-            <a:off x="26237189" y="30601257"/>
+            <a:off x="26310592" y="39698282"/>
             <a:ext cx="441434" cy="441434"/>
           </a:xfrm>
           <a:prstGeom prst="rect">
@@ -11067,7 +11141,7 @@
         </p:nvSpPr>
         <p:spPr>
           <a:xfrm>
-            <a:off x="26609465" y="30691999"/>
+            <a:off x="26682868" y="39907360"/>
             <a:ext cx="2313644" cy="261290"/>
           </a:xfrm>
           <a:prstGeom prst="rect">
@@ -11117,7 +11191,7 @@
           <p:nvPr/>
         </p:nvPicPr>
         <p:blipFill>
-          <a:blip r:embed="rId9">
+          <a:blip r:embed="rId12">
             <a:extLst>
               <a:ext uri="{28A0092B-C50C-407E-A947-70E740481C1C}">
                 <a14:useLocalDpi xmlns:a14="http://schemas.microsoft.com/office/drawing/2010/main" val="0"/>
@@ -11131,7 +11205,7 @@
         </p:blipFill>
         <p:spPr bwMode="auto">
           <a:xfrm>
-            <a:off x="27648369" y="30600620"/>
+            <a:off x="28044030" y="39698282"/>
             <a:ext cx="1160412" cy="436571"/>
           </a:xfrm>
           <a:prstGeom prst="rect">
@@ -11164,64 +11238,19 @@
           <p:nvPr/>
         </p:nvPicPr>
         <p:blipFill>
-          <a:blip r:embed="rId10"/>
+          <a:blip r:embed="rId13"/>
           <a:stretch>
             <a:fillRect/>
           </a:stretch>
         </p:blipFill>
         <p:spPr>
           <a:xfrm>
-            <a:off x="28992572" y="30557307"/>
+            <a:off x="29406517" y="39698282"/>
             <a:ext cx="449017" cy="449017"/>
           </a:xfrm>
           <a:prstGeom prst="rect">
             <a:avLst/>
           </a:prstGeom>
-        </p:spPr>
-      </p:pic>
-      <p:pic>
-        <p:nvPicPr>
-          <p:cNvPr id="1028" name="Picture 4">
-            <a:extLst>
-              <a:ext uri="{FF2B5EF4-FFF2-40B4-BE49-F238E27FC236}">
-                <a16:creationId xmlns:a16="http://schemas.microsoft.com/office/drawing/2014/main" id="{5754F093-A2C1-7EF6-46D5-A4C84C855D56}"/>
-              </a:ext>
-            </a:extLst>
-          </p:cNvPr>
-          <p:cNvPicPr>
-            <a:picLocks noChangeAspect="1" noChangeArrowheads="1"/>
-          </p:cNvPicPr>
-          <p:nvPr/>
-        </p:nvPicPr>
-        <p:blipFill rotWithShape="1">
-          <a:blip r:embed="rId11">
-            <a:extLst>
-              <a:ext uri="{28A0092B-C50C-407E-A947-70E740481C1C}">
-                <a14:useLocalDpi xmlns:a14="http://schemas.microsoft.com/office/drawing/2010/main" val="0"/>
-              </a:ext>
-            </a:extLst>
-          </a:blip>
-          <a:srcRect l="3315" r="3169" b="2790"/>
-          <a:stretch/>
-        </p:blipFill>
-        <p:spPr bwMode="auto">
-          <a:xfrm>
-            <a:off x="9939018" y="13021529"/>
-            <a:ext cx="10197594" cy="6815603"/>
-          </a:xfrm>
-          <a:prstGeom prst="rect">
-            <a:avLst/>
-          </a:prstGeom>
-          <a:noFill/>
-          <a:extLst>
-            <a:ext uri="{909E8E84-426E-40DD-AFC4-6F175D3DCCD1}">
-              <a14:hiddenFill xmlns:a14="http://schemas.microsoft.com/office/drawing/2010/main">
-                <a:solidFill>
-                  <a:srgbClr val="FFFFFF"/>
-                </a:solidFill>
-              </a14:hiddenFill>
-            </a:ext>
-          </a:extLst>
         </p:spPr>
       </p:pic>
       <p:sp>
@@ -11238,8 +11267,8 @@
         </p:nvSpPr>
         <p:spPr>
           <a:xfrm>
-            <a:off x="162626" y="19926039"/>
-            <a:ext cx="9551996" cy="7851060"/>
+            <a:off x="224955" y="16369886"/>
+            <a:ext cx="9551996" cy="13817950"/>
           </a:xfrm>
           <a:prstGeom prst="rect">
             <a:avLst/>
@@ -11253,7 +11282,7 @@
           <a:lstStyle/>
           <a:p>
             <a:r>
-              <a:rPr lang="en-US" sz="2192" b="1" dirty="0">
+              <a:rPr lang="en-US" sz="3000" b="1" dirty="0">
                 <a:latin typeface="Arial" panose="020B0604020202020204" pitchFamily="34" charset="0"/>
                 <a:cs typeface="Arial" panose="020B0604020202020204" pitchFamily="34" charset="0"/>
               </a:rPr>
@@ -11262,60 +11291,74 @@
           </a:p>
           <a:p>
             <a:r>
-              <a:rPr lang="en-US" sz="2192" dirty="0">
-                <a:latin typeface="Arial" panose="020B0604020202020204" pitchFamily="34" charset="0"/>
-                <a:cs typeface="Arial" panose="020B0604020202020204" pitchFamily="34" charset="0"/>
-              </a:rPr>
-              <a:t>• 299 participants (167F; mean age = 36) recruited from a previous experiment </a:t>
-            </a:r>
-          </a:p>
-          <a:p>
-            <a:r>
-              <a:rPr lang="en-US" sz="2192" dirty="0">
+              <a:rPr lang="en-US" sz="3000" dirty="0">
+                <a:latin typeface="Arial" panose="020B0604020202020204" pitchFamily="34" charset="0"/>
+                <a:cs typeface="Arial" panose="020B0604020202020204" pitchFamily="34" charset="0"/>
+              </a:rPr>
+              <a:t>• 299 participants (167F; mean age = 36) recruited from a previous experiment</a:t>
+            </a:r>
+            <a:r>
+              <a:rPr lang="en-US" sz="3000" baseline="30000" dirty="0">
+                <a:latin typeface="Arial" panose="020B0604020202020204" pitchFamily="34" charset="0"/>
+                <a:cs typeface="Arial" panose="020B0604020202020204" pitchFamily="34" charset="0"/>
+              </a:rPr>
+              <a:t>7</a:t>
+            </a:r>
+            <a:r>
+              <a:rPr lang="en-US" sz="3000" dirty="0">
+                <a:latin typeface="Arial" panose="020B0604020202020204" pitchFamily="34" charset="0"/>
+                <a:cs typeface="Arial" panose="020B0604020202020204" pitchFamily="34" charset="0"/>
+              </a:rPr>
+              <a:t>  </a:t>
+            </a:r>
+          </a:p>
+          <a:p>
+            <a:r>
+              <a:rPr lang="en-US" sz="3000" dirty="0">
                 <a:latin typeface="Arial" panose="020B0604020202020204" pitchFamily="34" charset="0"/>
                 <a:cs typeface="Arial" panose="020B0604020202020204" pitchFamily="34" charset="0"/>
               </a:rPr>
               <a:t>• Participants completed the 34-item Music@Home – Retrospective, the Questionnaire of Unpredictability in Childhood</a:t>
             </a:r>
             <a:r>
-              <a:rPr lang="en-US" sz="2192" baseline="30000" dirty="0">
-                <a:latin typeface="Arial" panose="020B0604020202020204" pitchFamily="34" charset="0"/>
-                <a:cs typeface="Arial" panose="020B0604020202020204" pitchFamily="34" charset="0"/>
-              </a:rPr>
-              <a:t>3</a:t>
-            </a:r>
-            <a:r>
-              <a:rPr lang="en-US" sz="2192" dirty="0">
+              <a:rPr lang="en-US" sz="3000" baseline="30000" dirty="0">
+                <a:latin typeface="Arial" panose="020B0604020202020204" pitchFamily="34" charset="0"/>
+                <a:cs typeface="Arial" panose="020B0604020202020204" pitchFamily="34" charset="0"/>
+              </a:rPr>
+              <a:t>8</a:t>
+            </a:r>
+            <a:r>
+              <a:rPr lang="en-US" sz="3000" dirty="0">
                 <a:latin typeface="Arial" panose="020B0604020202020204" pitchFamily="34" charset="0"/>
                 <a:cs typeface="Arial" panose="020B0604020202020204" pitchFamily="34" charset="0"/>
               </a:rPr>
               <a:t> (QUIC), the short-form Confusion, Hubbub, and Order Scale</a:t>
             </a:r>
             <a:r>
-              <a:rPr lang="en-US" sz="2192" baseline="30000" dirty="0">
-                <a:latin typeface="Arial" panose="020B0604020202020204" pitchFamily="34" charset="0"/>
-                <a:cs typeface="Arial" panose="020B0604020202020204" pitchFamily="34" charset="0"/>
-              </a:rPr>
-              <a:t>4</a:t>
-            </a:r>
-            <a:r>
-              <a:rPr lang="en-US" sz="2192" dirty="0">
+              <a:rPr lang="en-US" sz="3000" baseline="30000" dirty="0">
+                <a:latin typeface="Arial" panose="020B0604020202020204" pitchFamily="34" charset="0"/>
+                <a:cs typeface="Arial" panose="020B0604020202020204" pitchFamily="34" charset="0"/>
+              </a:rPr>
+              <a:t>9</a:t>
+            </a:r>
+            <a:r>
+              <a:rPr lang="en-US" sz="3000" dirty="0">
                 <a:latin typeface="Arial" panose="020B0604020202020204" pitchFamily="34" charset="0"/>
                 <a:cs typeface="Arial" panose="020B0604020202020204" pitchFamily="34" charset="0"/>
               </a:rPr>
               <a:t> (CHAOS), McLaughlin Deprivation &amp; Threat Scales</a:t>
             </a:r>
             <a:r>
-              <a:rPr lang="en-US" sz="2192" baseline="30000" dirty="0">
-                <a:latin typeface="Arial" panose="020B0604020202020204" pitchFamily="34" charset="0"/>
-                <a:cs typeface="Arial" panose="020B0604020202020204" pitchFamily="34" charset="0"/>
-              </a:rPr>
-              <a:t>5</a:t>
-            </a:r>
-          </a:p>
-          <a:p>
-            <a:r>
-              <a:rPr lang="en-US" sz="2192" dirty="0">
+              <a:rPr lang="en-US" sz="3000" baseline="30000" dirty="0">
+                <a:latin typeface="Arial" panose="020B0604020202020204" pitchFamily="34" charset="0"/>
+                <a:cs typeface="Arial" panose="020B0604020202020204" pitchFamily="34" charset="0"/>
+              </a:rPr>
+              <a:t>10</a:t>
+            </a:r>
+          </a:p>
+          <a:p>
+            <a:r>
+              <a:rPr lang="en-US" sz="3000" dirty="0">
                 <a:latin typeface="Arial" panose="020B0604020202020204" pitchFamily="34" charset="0"/>
                 <a:cs typeface="Arial" panose="020B0604020202020204" pitchFamily="34" charset="0"/>
               </a:rPr>
@@ -11324,44 +11367,78 @@
           </a:p>
           <a:p>
             <a:r>
-              <a:rPr lang="en-US" sz="2192" dirty="0">
-                <a:latin typeface="Arial" panose="020B0604020202020204" pitchFamily="34" charset="0"/>
-                <a:cs typeface="Arial" panose="020B0604020202020204" pitchFamily="34" charset="0"/>
-              </a:rPr>
-              <a:t>• Participants also completed the Extended Barcelona Music Reward Questionnaire (</a:t>
-            </a:r>
-            <a:r>
-              <a:rPr lang="en-US" sz="2192" dirty="0" err="1">
+              <a:rPr lang="en-US" sz="3000" dirty="0">
+                <a:latin typeface="Arial" panose="020B0604020202020204" pitchFamily="34" charset="0"/>
+                <a:cs typeface="Arial" panose="020B0604020202020204" pitchFamily="34" charset="0"/>
+              </a:rPr>
+              <a:t>• Participants also completed the Extended Barcelona Music Reward Questionnaire</a:t>
+            </a:r>
+            <a:r>
+              <a:rPr lang="en-US" sz="3000" baseline="30000" dirty="0">
+                <a:latin typeface="Arial" panose="020B0604020202020204" pitchFamily="34" charset="0"/>
+                <a:cs typeface="Arial" panose="020B0604020202020204" pitchFamily="34" charset="0"/>
+              </a:rPr>
+              <a:t>11</a:t>
+            </a:r>
+            <a:r>
+              <a:rPr lang="en-US" sz="3000" dirty="0">
+                <a:latin typeface="Arial" panose="020B0604020202020204" pitchFamily="34" charset="0"/>
+                <a:cs typeface="Arial" panose="020B0604020202020204" pitchFamily="34" charset="0"/>
+              </a:rPr>
+              <a:t> (</a:t>
+            </a:r>
+            <a:r>
+              <a:rPr lang="en-US" sz="3000" dirty="0" err="1">
                 <a:latin typeface="Arial" panose="020B0604020202020204" pitchFamily="34" charset="0"/>
                 <a:cs typeface="Arial" panose="020B0604020202020204" pitchFamily="34" charset="0"/>
               </a:rPr>
               <a:t>eBMRQ</a:t>
             </a:r>
             <a:r>
-              <a:rPr lang="en-US" sz="2192" dirty="0">
-                <a:latin typeface="Arial" panose="020B0604020202020204" pitchFamily="34" charset="0"/>
-                <a:cs typeface="Arial" panose="020B0604020202020204" pitchFamily="34" charset="0"/>
-              </a:rPr>
-              <a:t>) and the Goldsmith Musical Sophistication Index (</a:t>
-            </a:r>
-            <a:r>
-              <a:rPr lang="en-US" sz="2192" dirty="0" err="1">
+              <a:rPr lang="en-US" sz="3000" dirty="0">
+                <a:latin typeface="Arial" panose="020B0604020202020204" pitchFamily="34" charset="0"/>
+                <a:cs typeface="Arial" panose="020B0604020202020204" pitchFamily="34" charset="0"/>
+              </a:rPr>
+              <a:t>) and the Goldsmith Musical Sophistication Index</a:t>
+            </a:r>
+            <a:r>
+              <a:rPr lang="en-US" sz="3000" baseline="30000" dirty="0">
+                <a:latin typeface="Arial" panose="020B0604020202020204" pitchFamily="34" charset="0"/>
+                <a:cs typeface="Arial" panose="020B0604020202020204" pitchFamily="34" charset="0"/>
+              </a:rPr>
+              <a:t>12</a:t>
+            </a:r>
+            <a:r>
+              <a:rPr lang="en-US" sz="3000" dirty="0">
+                <a:latin typeface="Arial" panose="020B0604020202020204" pitchFamily="34" charset="0"/>
+                <a:cs typeface="Arial" panose="020B0604020202020204" pitchFamily="34" charset="0"/>
+              </a:rPr>
+              <a:t> (</a:t>
+            </a:r>
+            <a:r>
+              <a:rPr lang="en-US" sz="3000" dirty="0" err="1">
                 <a:latin typeface="Arial" panose="020B0604020202020204" pitchFamily="34" charset="0"/>
                 <a:cs typeface="Arial" panose="020B0604020202020204" pitchFamily="34" charset="0"/>
               </a:rPr>
               <a:t>GoldMSI</a:t>
             </a:r>
             <a:r>
-              <a:rPr lang="en-US" sz="2192" dirty="0">
-                <a:latin typeface="Arial" panose="020B0604020202020204" pitchFamily="34" charset="0"/>
-                <a:cs typeface="Arial" panose="020B0604020202020204" pitchFamily="34" charset="0"/>
-              </a:rPr>
-              <a:t>) in the previous study </a:t>
-            </a:r>
-          </a:p>
-          <a:p>
-            <a:r>
-              <a:rPr lang="en-US" sz="2192" b="1" dirty="0">
+              <a:rPr lang="en-US" sz="3000" dirty="0">
+                <a:latin typeface="Arial" panose="020B0604020202020204" pitchFamily="34" charset="0"/>
+                <a:cs typeface="Arial" panose="020B0604020202020204" pitchFamily="34" charset="0"/>
+              </a:rPr>
+              <a:t>) from the previous study </a:t>
+            </a:r>
+          </a:p>
+          <a:p>
+            <a:endParaRPr lang="en-US" sz="3000" dirty="0">
+              <a:latin typeface="Arial" panose="020B0604020202020204" pitchFamily="34" charset="0"/>
+              <a:cs typeface="Arial" panose="020B0604020202020204" pitchFamily="34" charset="0"/>
+            </a:endParaRPr>
+          </a:p>
+          <a:p>
+            <a:r>
+              <a:rPr lang="en-US" sz="3000" b="1" dirty="0">
                 <a:latin typeface="Arial" panose="020B0604020202020204" pitchFamily="34" charset="0"/>
                 <a:cs typeface="Arial" panose="020B0604020202020204" pitchFamily="34" charset="0"/>
               </a:rPr>
@@ -11370,39 +11447,106 @@
           </a:p>
           <a:p>
             <a:r>
-              <a:rPr lang="en-US" sz="2192" dirty="0">
-                <a:latin typeface="Arial" panose="020B0604020202020204" pitchFamily="34" charset="0"/>
-                <a:cs typeface="Arial" panose="020B0604020202020204" pitchFamily="34" charset="0"/>
-              </a:rPr>
-              <a:t>• 288 participants (141F) recruited from another previous experiment </a:t>
-            </a:r>
-          </a:p>
-          <a:p>
-            <a:r>
-              <a:rPr lang="en-US" sz="2192" dirty="0">
-                <a:latin typeface="Arial" panose="020B0604020202020204" pitchFamily="34" charset="0"/>
-                <a:cs typeface="Arial" panose="020B0604020202020204" pitchFamily="34" charset="0"/>
-              </a:rPr>
-              <a:t>• Participants completed the 20-item Music@Home – Retrospective, the QUIC, the full CHAOS, McLaughlin Deprivation &amp; Threat Scales, Social Reward Questionnaire (SRQ), the Musical Ear Test (MET), the Connor-Davidson Resilience Scale (CD-RISC-10), the State-Trait Anxiety Inventory (STAI), and Healthy-Unhealthy Music Usage Scale (HUMS)</a:t>
-            </a:r>
-          </a:p>
-          <a:p>
-            <a:r>
-              <a:rPr lang="en-US" sz="2192" dirty="0">
-                <a:latin typeface="Arial" panose="020B0604020202020204" pitchFamily="34" charset="0"/>
-                <a:cs typeface="Arial" panose="020B0604020202020204" pitchFamily="34" charset="0"/>
-              </a:rPr>
-              <a:t>• Participants also completed the Barcelona Music Reward Questionnaire (BMRQ) and the Goldsmith Musical Sophistication Index (</a:t>
-            </a:r>
-            <a:r>
-              <a:rPr lang="en-US" sz="2192" dirty="0" err="1">
+              <a:rPr lang="en-US" sz="3000" dirty="0">
+                <a:latin typeface="Arial" panose="020B0604020202020204" pitchFamily="34" charset="0"/>
+                <a:cs typeface="Arial" panose="020B0604020202020204" pitchFamily="34" charset="0"/>
+              </a:rPr>
+              <a:t>• 288 participants (141F) recruited from another previous experiment</a:t>
+            </a:r>
+            <a:r>
+              <a:rPr lang="en-US" sz="3000" baseline="30000" dirty="0">
+                <a:latin typeface="Arial" panose="020B0604020202020204" pitchFamily="34" charset="0"/>
+                <a:cs typeface="Arial" panose="020B0604020202020204" pitchFamily="34" charset="0"/>
+              </a:rPr>
+              <a:t>13</a:t>
+            </a:r>
+            <a:endParaRPr lang="en-US" sz="3000" dirty="0">
+              <a:latin typeface="Arial" panose="020B0604020202020204" pitchFamily="34" charset="0"/>
+              <a:cs typeface="Arial" panose="020B0604020202020204" pitchFamily="34" charset="0"/>
+            </a:endParaRPr>
+          </a:p>
+          <a:p>
+            <a:r>
+              <a:rPr lang="en-US" sz="3000" dirty="0">
+                <a:latin typeface="Arial" panose="020B0604020202020204" pitchFamily="34" charset="0"/>
+                <a:cs typeface="Arial" panose="020B0604020202020204" pitchFamily="34" charset="0"/>
+              </a:rPr>
+              <a:t>• Participants completed the 20-item Music@Home – Retrospective, the QUIC, the full CHAOS, McLaughlin Deprivation &amp; Threat Scales, Social Reward Questionnaire</a:t>
+            </a:r>
+            <a:r>
+              <a:rPr lang="en-US" sz="3000" baseline="30000" dirty="0">
+                <a:latin typeface="Arial" panose="020B0604020202020204" pitchFamily="34" charset="0"/>
+                <a:cs typeface="Arial" panose="020B0604020202020204" pitchFamily="34" charset="0"/>
+              </a:rPr>
+              <a:t>14</a:t>
+            </a:r>
+            <a:r>
+              <a:rPr lang="en-US" sz="3000" dirty="0">
+                <a:latin typeface="Arial" panose="020B0604020202020204" pitchFamily="34" charset="0"/>
+                <a:cs typeface="Arial" panose="020B0604020202020204" pitchFamily="34" charset="0"/>
+              </a:rPr>
+              <a:t> (SRQ), the Musical Ear Test</a:t>
+            </a:r>
+            <a:r>
+              <a:rPr lang="en-US" sz="3000" baseline="30000" dirty="0">
+                <a:latin typeface="Arial" panose="020B0604020202020204" pitchFamily="34" charset="0"/>
+                <a:cs typeface="Arial" panose="020B0604020202020204" pitchFamily="34" charset="0"/>
+              </a:rPr>
+              <a:t>15</a:t>
+            </a:r>
+            <a:r>
+              <a:rPr lang="en-US" sz="3000" dirty="0">
+                <a:latin typeface="Arial" panose="020B0604020202020204" pitchFamily="34" charset="0"/>
+                <a:cs typeface="Arial" panose="020B0604020202020204" pitchFamily="34" charset="0"/>
+              </a:rPr>
+              <a:t> (MET), the State-Trait Anxiety Inventory</a:t>
+            </a:r>
+            <a:r>
+              <a:rPr lang="en-US" sz="3000" baseline="30000" dirty="0">
+                <a:latin typeface="Arial" panose="020B0604020202020204" pitchFamily="34" charset="0"/>
+                <a:cs typeface="Arial" panose="020B0604020202020204" pitchFamily="34" charset="0"/>
+              </a:rPr>
+              <a:t>16</a:t>
+            </a:r>
+            <a:r>
+              <a:rPr lang="en-US" sz="3000" dirty="0">
+                <a:latin typeface="Arial" panose="020B0604020202020204" pitchFamily="34" charset="0"/>
+                <a:cs typeface="Arial" panose="020B0604020202020204" pitchFamily="34" charset="0"/>
+              </a:rPr>
+              <a:t> (STAI)</a:t>
+            </a:r>
+          </a:p>
+          <a:p>
+            <a:r>
+              <a:rPr lang="en-US" sz="3000" dirty="0">
+                <a:latin typeface="Arial" panose="020B0604020202020204" pitchFamily="34" charset="0"/>
+                <a:cs typeface="Arial" panose="020B0604020202020204" pitchFamily="34" charset="0"/>
+              </a:rPr>
+              <a:t>• Participants also completed the Barcelona Music Reward Questionnaire</a:t>
+            </a:r>
+            <a:r>
+              <a:rPr lang="en-US" sz="3000" baseline="30000" dirty="0">
+                <a:latin typeface="Arial" panose="020B0604020202020204" pitchFamily="34" charset="0"/>
+                <a:cs typeface="Arial" panose="020B0604020202020204" pitchFamily="34" charset="0"/>
+              </a:rPr>
+              <a:t>17</a:t>
+            </a:r>
+            <a:r>
+              <a:rPr lang="en-US" sz="3000" dirty="0">
+                <a:latin typeface="Arial" panose="020B0604020202020204" pitchFamily="34" charset="0"/>
+                <a:cs typeface="Arial" panose="020B0604020202020204" pitchFamily="34" charset="0"/>
+              </a:rPr>
+              <a:t> (BMRQ) and the Goldsmith Musical Sophistication Index (</a:t>
+            </a:r>
+            <a:r>
+              <a:rPr lang="en-US" sz="3000" dirty="0" err="1">
                 <a:latin typeface="Arial" panose="020B0604020202020204" pitchFamily="34" charset="0"/>
                 <a:cs typeface="Arial" panose="020B0604020202020204" pitchFamily="34" charset="0"/>
               </a:rPr>
               <a:t>GoldMSI</a:t>
             </a:r>
             <a:r>
-              <a:rPr lang="en-US" sz="2192" dirty="0">
+              <a:rPr lang="en-US" sz="3000" dirty="0">
                 <a:latin typeface="Arial" panose="020B0604020202020204" pitchFamily="34" charset="0"/>
                 <a:cs typeface="Arial" panose="020B0604020202020204" pitchFamily="34" charset="0"/>
               </a:rPr>
@@ -11414,6 +11558,2625 @@
               <a:latin typeface="Arial" panose="020B0604020202020204" pitchFamily="34" charset="0"/>
               <a:cs typeface="Arial" panose="020B0604020202020204" pitchFamily="34" charset="0"/>
             </a:endParaRPr>
+          </a:p>
+        </p:txBody>
+      </p:sp>
+      <p:pic>
+        <p:nvPicPr>
+          <p:cNvPr id="6" name="Picture 5">
+            <a:extLst>
+              <a:ext uri="{FF2B5EF4-FFF2-40B4-BE49-F238E27FC236}">
+                <a16:creationId xmlns:a16="http://schemas.microsoft.com/office/drawing/2014/main" id="{6EC4C9C4-1AC6-1DD3-DF92-A701802B4724}"/>
+              </a:ext>
+            </a:extLst>
+          </p:cNvPr>
+          <p:cNvPicPr>
+            <a:picLocks noChangeAspect="1"/>
+          </p:cNvPicPr>
+          <p:nvPr/>
+        </p:nvPicPr>
+        <p:blipFill rotWithShape="1">
+          <a:blip r:embed="rId14"/>
+          <a:srcRect l="4850" t="2257" r="8016" b="1258"/>
+          <a:stretch/>
+        </p:blipFill>
+        <p:spPr>
+          <a:xfrm>
+            <a:off x="10006230" y="4256255"/>
+            <a:ext cx="10081314" cy="15113955"/>
+          </a:xfrm>
+          <a:prstGeom prst="rect">
+            <a:avLst/>
+          </a:prstGeom>
+        </p:spPr>
+      </p:pic>
+      <p:sp>
+        <p:nvSpPr>
+          <p:cNvPr id="7" name="Rectangle 6">
+            <a:extLst>
+              <a:ext uri="{FF2B5EF4-FFF2-40B4-BE49-F238E27FC236}">
+                <a16:creationId xmlns:a16="http://schemas.microsoft.com/office/drawing/2014/main" id="{05A67A42-053D-3853-B2AD-1D4F68F232F9}"/>
+              </a:ext>
+            </a:extLst>
+          </p:cNvPr>
+          <p:cNvSpPr/>
+          <p:nvPr/>
+        </p:nvSpPr>
+        <p:spPr>
+          <a:xfrm>
+            <a:off x="1108479" y="31885560"/>
+            <a:ext cx="7738077" cy="1429025"/>
+          </a:xfrm>
+          <a:prstGeom prst="rect">
+            <a:avLst/>
+          </a:prstGeom>
+          <a:solidFill>
+            <a:srgbClr val="CA99A4">
+              <a:alpha val="69020"/>
+            </a:srgbClr>
+          </a:solidFill>
+          <a:ln>
+            <a:solidFill>
+              <a:srgbClr val="E7D3E1"/>
+            </a:solidFill>
+          </a:ln>
+        </p:spPr>
+        <p:style>
+          <a:lnRef idx="2">
+            <a:schemeClr val="accent1">
+              <a:shade val="50000"/>
+            </a:schemeClr>
+          </a:lnRef>
+          <a:fillRef idx="1">
+            <a:schemeClr val="accent1"/>
+          </a:fillRef>
+          <a:effectRef idx="0">
+            <a:schemeClr val="accent1"/>
+          </a:effectRef>
+          <a:fontRef idx="minor">
+            <a:schemeClr val="lt1"/>
+          </a:fontRef>
+        </p:style>
+        <p:txBody>
+          <a:bodyPr rtlCol="0" anchor="ctr"/>
+          <a:lstStyle/>
+          <a:p>
+            <a:pPr algn="ctr"/>
+            <a:r>
+              <a:rPr lang="en-US" sz="3600" dirty="0">
+                <a:solidFill>
+                  <a:schemeClr val="tx1"/>
+                </a:solidFill>
+              </a:rPr>
+              <a:t>31 Items:</a:t>
+            </a:r>
+          </a:p>
+          <a:p>
+            <a:pPr algn="ctr"/>
+            <a:r>
+              <a:rPr lang="en-US" sz="2800" dirty="0">
+                <a:solidFill>
+                  <a:schemeClr val="tx1"/>
+                </a:solidFill>
+              </a:rPr>
+              <a:t>17 from M@H Preschool + 14 new items</a:t>
+            </a:r>
+          </a:p>
+        </p:txBody>
+      </p:sp>
+      <p:sp>
+        <p:nvSpPr>
+          <p:cNvPr id="17" name="Rectangle 16">
+            <a:extLst>
+              <a:ext uri="{FF2B5EF4-FFF2-40B4-BE49-F238E27FC236}">
+                <a16:creationId xmlns:a16="http://schemas.microsoft.com/office/drawing/2014/main" id="{14C68328-140A-3D64-8C97-81214621D5F7}"/>
+              </a:ext>
+            </a:extLst>
+          </p:cNvPr>
+          <p:cNvSpPr/>
+          <p:nvPr/>
+        </p:nvSpPr>
+        <p:spPr>
+          <a:xfrm>
+            <a:off x="2090535" y="33870143"/>
+            <a:ext cx="5820835" cy="1429025"/>
+          </a:xfrm>
+          <a:prstGeom prst="rect">
+            <a:avLst/>
+          </a:prstGeom>
+          <a:solidFill>
+            <a:srgbClr val="CA99A4">
+              <a:alpha val="69020"/>
+            </a:srgbClr>
+          </a:solidFill>
+          <a:ln>
+            <a:solidFill>
+              <a:srgbClr val="E7D3E1"/>
+            </a:solidFill>
+          </a:ln>
+        </p:spPr>
+        <p:style>
+          <a:lnRef idx="2">
+            <a:schemeClr val="accent1">
+              <a:shade val="50000"/>
+            </a:schemeClr>
+          </a:lnRef>
+          <a:fillRef idx="1">
+            <a:schemeClr val="accent1"/>
+          </a:fillRef>
+          <a:effectRef idx="0">
+            <a:schemeClr val="accent1"/>
+          </a:effectRef>
+          <a:fontRef idx="minor">
+            <a:schemeClr val="lt1"/>
+          </a:fontRef>
+        </p:style>
+        <p:txBody>
+          <a:bodyPr rtlCol="0" anchor="ctr"/>
+          <a:lstStyle/>
+          <a:p>
+            <a:pPr algn="ctr"/>
+            <a:r>
+              <a:rPr lang="en-US" sz="3200" dirty="0">
+                <a:solidFill>
+                  <a:schemeClr val="tx1"/>
+                </a:solidFill>
+              </a:rPr>
+              <a:t>The childhood home musical environment</a:t>
+            </a:r>
+            <a:endParaRPr lang="en-US" sz="2400" dirty="0">
+              <a:solidFill>
+                <a:schemeClr val="tx1"/>
+              </a:solidFill>
+            </a:endParaRPr>
+          </a:p>
+        </p:txBody>
+      </p:sp>
+      <p:sp>
+        <p:nvSpPr>
+          <p:cNvPr id="18" name="Rectangle 17">
+            <a:extLst>
+              <a:ext uri="{FF2B5EF4-FFF2-40B4-BE49-F238E27FC236}">
+                <a16:creationId xmlns:a16="http://schemas.microsoft.com/office/drawing/2014/main" id="{5866034D-BF5F-3F8B-2917-3C0BD738E98D}"/>
+              </a:ext>
+            </a:extLst>
+          </p:cNvPr>
+          <p:cNvSpPr/>
+          <p:nvPr/>
+        </p:nvSpPr>
+        <p:spPr>
+          <a:xfrm>
+            <a:off x="2067100" y="37715408"/>
+            <a:ext cx="5820834" cy="1426464"/>
+          </a:xfrm>
+          <a:prstGeom prst="rect">
+            <a:avLst/>
+          </a:prstGeom>
+          <a:solidFill>
+            <a:srgbClr val="CA99A4">
+              <a:alpha val="69020"/>
+            </a:srgbClr>
+          </a:solidFill>
+          <a:ln>
+            <a:solidFill>
+              <a:srgbClr val="E7D3E1"/>
+            </a:solidFill>
+          </a:ln>
+        </p:spPr>
+        <p:style>
+          <a:lnRef idx="2">
+            <a:schemeClr val="accent1">
+              <a:shade val="50000"/>
+            </a:schemeClr>
+          </a:lnRef>
+          <a:fillRef idx="1">
+            <a:schemeClr val="accent1"/>
+          </a:fillRef>
+          <a:effectRef idx="0">
+            <a:schemeClr val="accent1"/>
+          </a:effectRef>
+          <a:fontRef idx="minor">
+            <a:schemeClr val="lt1"/>
+          </a:fontRef>
+        </p:style>
+        <p:txBody>
+          <a:bodyPr rtlCol="0" anchor="ctr"/>
+          <a:lstStyle/>
+          <a:p>
+            <a:pPr algn="ctr"/>
+            <a:r>
+              <a:rPr lang="en-US" sz="3200" dirty="0">
+                <a:solidFill>
+                  <a:schemeClr val="tx1"/>
+                </a:solidFill>
+              </a:rPr>
+              <a:t> Current attitudes toward childhood home musical environment</a:t>
+            </a:r>
+            <a:endParaRPr lang="en-US" sz="2400" dirty="0">
+              <a:solidFill>
+                <a:schemeClr val="tx1"/>
+              </a:solidFill>
+            </a:endParaRPr>
+          </a:p>
+        </p:txBody>
+      </p:sp>
+      <p:sp>
+        <p:nvSpPr>
+          <p:cNvPr id="20" name="Rectangle 19">
+            <a:extLst>
+              <a:ext uri="{FF2B5EF4-FFF2-40B4-BE49-F238E27FC236}">
+                <a16:creationId xmlns:a16="http://schemas.microsoft.com/office/drawing/2014/main" id="{FC36F683-95D5-D1F5-89D3-E5E199B11981}"/>
+              </a:ext>
+            </a:extLst>
+          </p:cNvPr>
+          <p:cNvSpPr/>
+          <p:nvPr/>
+        </p:nvSpPr>
+        <p:spPr>
+          <a:xfrm>
+            <a:off x="2090535" y="35794056"/>
+            <a:ext cx="5820835" cy="1426464"/>
+          </a:xfrm>
+          <a:prstGeom prst="rect">
+            <a:avLst/>
+          </a:prstGeom>
+          <a:solidFill>
+            <a:srgbClr val="CA99A4">
+              <a:alpha val="69020"/>
+            </a:srgbClr>
+          </a:solidFill>
+          <a:ln>
+            <a:solidFill>
+              <a:srgbClr val="E7D3E1"/>
+            </a:solidFill>
+          </a:ln>
+        </p:spPr>
+        <p:style>
+          <a:lnRef idx="2">
+            <a:schemeClr val="accent1">
+              <a:shade val="50000"/>
+            </a:schemeClr>
+          </a:lnRef>
+          <a:fillRef idx="1">
+            <a:schemeClr val="accent1"/>
+          </a:fillRef>
+          <a:effectRef idx="0">
+            <a:schemeClr val="accent1"/>
+          </a:effectRef>
+          <a:fontRef idx="minor">
+            <a:schemeClr val="lt1"/>
+          </a:fontRef>
+        </p:style>
+        <p:txBody>
+          <a:bodyPr rtlCol="0" anchor="ctr"/>
+          <a:lstStyle/>
+          <a:p>
+            <a:pPr algn="ctr"/>
+            <a:r>
+              <a:rPr lang="en-US" sz="3200" dirty="0">
+                <a:solidFill>
+                  <a:schemeClr val="tx1"/>
+                </a:solidFill>
+              </a:rPr>
+              <a:t>Adolescent attitudes toward childhood home musical environment</a:t>
+            </a:r>
+            <a:endParaRPr lang="en-US" sz="2400" dirty="0">
+              <a:solidFill>
+                <a:schemeClr val="tx1"/>
+              </a:solidFill>
+            </a:endParaRPr>
+          </a:p>
+        </p:txBody>
+      </p:sp>
+      <p:sp>
+        <p:nvSpPr>
+          <p:cNvPr id="25" name="TextBox 24">
+            <a:extLst>
+              <a:ext uri="{FF2B5EF4-FFF2-40B4-BE49-F238E27FC236}">
+                <a16:creationId xmlns:a16="http://schemas.microsoft.com/office/drawing/2014/main" id="{8892CE55-5CAE-DA94-E6A5-2CCF81A182DF}"/>
+              </a:ext>
+            </a:extLst>
+          </p:cNvPr>
+          <p:cNvSpPr txBox="1"/>
+          <p:nvPr/>
+        </p:nvSpPr>
+        <p:spPr>
+          <a:xfrm>
+            <a:off x="1215509" y="34169156"/>
+            <a:ext cx="1079486" cy="830997"/>
+          </a:xfrm>
+          <a:prstGeom prst="rect">
+            <a:avLst/>
+          </a:prstGeom>
+          <a:noFill/>
+        </p:spPr>
+        <p:txBody>
+          <a:bodyPr wrap="square" rtlCol="0">
+            <a:spAutoFit/>
+          </a:bodyPr>
+          <a:lstStyle/>
+          <a:p>
+            <a:r>
+              <a:rPr lang="en-US" sz="4800" dirty="0"/>
+              <a:t>1.</a:t>
+            </a:r>
+          </a:p>
+        </p:txBody>
+      </p:sp>
+      <p:sp>
+        <p:nvSpPr>
+          <p:cNvPr id="26" name="TextBox 25">
+            <a:extLst>
+              <a:ext uri="{FF2B5EF4-FFF2-40B4-BE49-F238E27FC236}">
+                <a16:creationId xmlns:a16="http://schemas.microsoft.com/office/drawing/2014/main" id="{8D1514AA-190E-EA25-D29C-1804212288EE}"/>
+              </a:ext>
+            </a:extLst>
+          </p:cNvPr>
+          <p:cNvSpPr txBox="1"/>
+          <p:nvPr/>
+        </p:nvSpPr>
+        <p:spPr>
+          <a:xfrm>
+            <a:off x="1215509" y="36091790"/>
+            <a:ext cx="1079486" cy="830997"/>
+          </a:xfrm>
+          <a:prstGeom prst="rect">
+            <a:avLst/>
+          </a:prstGeom>
+          <a:noFill/>
+        </p:spPr>
+        <p:txBody>
+          <a:bodyPr wrap="square" rtlCol="0">
+            <a:spAutoFit/>
+          </a:bodyPr>
+          <a:lstStyle/>
+          <a:p>
+            <a:r>
+              <a:rPr lang="en-US" sz="4800" dirty="0"/>
+              <a:t>2.</a:t>
+            </a:r>
+          </a:p>
+        </p:txBody>
+      </p:sp>
+      <p:sp>
+        <p:nvSpPr>
+          <p:cNvPr id="27" name="TextBox 26">
+            <a:extLst>
+              <a:ext uri="{FF2B5EF4-FFF2-40B4-BE49-F238E27FC236}">
+                <a16:creationId xmlns:a16="http://schemas.microsoft.com/office/drawing/2014/main" id="{F9F72922-6947-D913-88C5-3C9491CB485A}"/>
+              </a:ext>
+            </a:extLst>
+          </p:cNvPr>
+          <p:cNvSpPr txBox="1"/>
+          <p:nvPr/>
+        </p:nvSpPr>
+        <p:spPr>
+          <a:xfrm>
+            <a:off x="1215509" y="38013141"/>
+            <a:ext cx="1079486" cy="830997"/>
+          </a:xfrm>
+          <a:prstGeom prst="rect">
+            <a:avLst/>
+          </a:prstGeom>
+          <a:noFill/>
+        </p:spPr>
+        <p:txBody>
+          <a:bodyPr wrap="square" rtlCol="0">
+            <a:spAutoFit/>
+          </a:bodyPr>
+          <a:lstStyle/>
+          <a:p>
+            <a:r>
+              <a:rPr lang="en-US" sz="4800" dirty="0"/>
+              <a:t>3.</a:t>
+            </a:r>
+          </a:p>
+        </p:txBody>
+      </p:sp>
+      <p:sp>
+        <p:nvSpPr>
+          <p:cNvPr id="28" name="TextBox 27">
+            <a:extLst>
+              <a:ext uri="{FF2B5EF4-FFF2-40B4-BE49-F238E27FC236}">
+                <a16:creationId xmlns:a16="http://schemas.microsoft.com/office/drawing/2014/main" id="{9A612243-2690-143C-1C5A-097F0CC7E5C7}"/>
+              </a:ext>
+            </a:extLst>
+          </p:cNvPr>
+          <p:cNvSpPr txBox="1"/>
+          <p:nvPr/>
+        </p:nvSpPr>
+        <p:spPr>
+          <a:xfrm>
+            <a:off x="11911263" y="14569424"/>
+            <a:ext cx="553453" cy="646331"/>
+          </a:xfrm>
+          <a:prstGeom prst="rect">
+            <a:avLst/>
+          </a:prstGeom>
+          <a:noFill/>
+        </p:spPr>
+        <p:txBody>
+          <a:bodyPr wrap="square" rtlCol="0">
+            <a:spAutoFit/>
+          </a:bodyPr>
+          <a:lstStyle/>
+          <a:p>
+            <a:r>
+              <a:rPr lang="en-US" sz="3600" dirty="0"/>
+              <a:t>*</a:t>
+            </a:r>
+          </a:p>
+        </p:txBody>
+      </p:sp>
+      <p:sp>
+        <p:nvSpPr>
+          <p:cNvPr id="30" name="TextBox 29">
+            <a:extLst>
+              <a:ext uri="{FF2B5EF4-FFF2-40B4-BE49-F238E27FC236}">
+                <a16:creationId xmlns:a16="http://schemas.microsoft.com/office/drawing/2014/main" id="{EDFEE9A0-6FB1-0258-D2A0-B269B0BF69B0}"/>
+              </a:ext>
+            </a:extLst>
+          </p:cNvPr>
+          <p:cNvSpPr txBox="1"/>
+          <p:nvPr/>
+        </p:nvSpPr>
+        <p:spPr>
+          <a:xfrm>
+            <a:off x="11839073" y="12767221"/>
+            <a:ext cx="553453" cy="646331"/>
+          </a:xfrm>
+          <a:prstGeom prst="rect">
+            <a:avLst/>
+          </a:prstGeom>
+          <a:noFill/>
+        </p:spPr>
+        <p:txBody>
+          <a:bodyPr wrap="square" rtlCol="0">
+            <a:spAutoFit/>
+          </a:bodyPr>
+          <a:lstStyle/>
+          <a:p>
+            <a:r>
+              <a:rPr lang="en-US" sz="3600" dirty="0"/>
+              <a:t>*</a:t>
+            </a:r>
+          </a:p>
+        </p:txBody>
+      </p:sp>
+      <p:sp>
+        <p:nvSpPr>
+          <p:cNvPr id="31" name="TextBox 30">
+            <a:extLst>
+              <a:ext uri="{FF2B5EF4-FFF2-40B4-BE49-F238E27FC236}">
+                <a16:creationId xmlns:a16="http://schemas.microsoft.com/office/drawing/2014/main" id="{DE8D5822-3126-B5E8-2A73-BD0DBA918A7C}"/>
+              </a:ext>
+            </a:extLst>
+          </p:cNvPr>
+          <p:cNvSpPr txBox="1"/>
+          <p:nvPr/>
+        </p:nvSpPr>
+        <p:spPr>
+          <a:xfrm>
+            <a:off x="12187989" y="10914887"/>
+            <a:ext cx="553453" cy="646331"/>
+          </a:xfrm>
+          <a:prstGeom prst="rect">
+            <a:avLst/>
+          </a:prstGeom>
+          <a:noFill/>
+        </p:spPr>
+        <p:txBody>
+          <a:bodyPr wrap="square" rtlCol="0">
+            <a:spAutoFit/>
+          </a:bodyPr>
+          <a:lstStyle/>
+          <a:p>
+            <a:r>
+              <a:rPr lang="en-US" sz="3600" dirty="0"/>
+              <a:t>*</a:t>
+            </a:r>
+          </a:p>
+        </p:txBody>
+      </p:sp>
+      <p:sp>
+        <p:nvSpPr>
+          <p:cNvPr id="32" name="TextBox 31">
+            <a:extLst>
+              <a:ext uri="{FF2B5EF4-FFF2-40B4-BE49-F238E27FC236}">
+                <a16:creationId xmlns:a16="http://schemas.microsoft.com/office/drawing/2014/main" id="{02BC6241-0D30-F4AA-106B-EA8D3E6D5436}"/>
+              </a:ext>
+            </a:extLst>
+          </p:cNvPr>
+          <p:cNvSpPr txBox="1"/>
+          <p:nvPr/>
+        </p:nvSpPr>
+        <p:spPr>
+          <a:xfrm>
+            <a:off x="24418157" y="39880190"/>
+            <a:ext cx="2313644" cy="261290"/>
+          </a:xfrm>
+          <a:prstGeom prst="rect">
+            <a:avLst/>
+          </a:prstGeom>
+          <a:noFill/>
+        </p:spPr>
+        <p:txBody>
+          <a:bodyPr wrap="square" rtlCol="0">
+            <a:spAutoFit/>
+          </a:bodyPr>
+          <a:lstStyle/>
+          <a:p>
+            <a:r>
+              <a:rPr lang="en-US" sz="1098" dirty="0" err="1">
+                <a:latin typeface="Arial" panose="020B0604020202020204" pitchFamily="34" charset="0"/>
+                <a:cs typeface="Arial" panose="020B0604020202020204" pitchFamily="34" charset="0"/>
+              </a:rPr>
+              <a:t>kathios.n@northeastern.edu</a:t>
+            </a:r>
+            <a:endParaRPr lang="en-US" sz="1098" dirty="0">
+              <a:latin typeface="Arial" panose="020B0604020202020204" pitchFamily="34" charset="0"/>
+              <a:cs typeface="Arial" panose="020B0604020202020204" pitchFamily="34" charset="0"/>
+            </a:endParaRPr>
+          </a:p>
+        </p:txBody>
+      </p:sp>
+      <p:sp>
+        <p:nvSpPr>
+          <p:cNvPr id="35" name="TextBox 34">
+            <a:extLst>
+              <a:ext uri="{FF2B5EF4-FFF2-40B4-BE49-F238E27FC236}">
+                <a16:creationId xmlns:a16="http://schemas.microsoft.com/office/drawing/2014/main" id="{8CFF2975-4D52-BDDA-37CD-411B79E2224F}"/>
+              </a:ext>
+            </a:extLst>
+          </p:cNvPr>
+          <p:cNvSpPr txBox="1"/>
+          <p:nvPr/>
+        </p:nvSpPr>
+        <p:spPr>
+          <a:xfrm>
+            <a:off x="26678928" y="39687313"/>
+            <a:ext cx="2313644" cy="261290"/>
+          </a:xfrm>
+          <a:prstGeom prst="rect">
+            <a:avLst/>
+          </a:prstGeom>
+          <a:noFill/>
+        </p:spPr>
+        <p:txBody>
+          <a:bodyPr wrap="square" rtlCol="0">
+            <a:spAutoFit/>
+          </a:bodyPr>
+          <a:lstStyle/>
+          <a:p>
+            <a:r>
+              <a:rPr lang="en-US" sz="1098" dirty="0">
+                <a:latin typeface="Arial" panose="020B0604020202020204" pitchFamily="34" charset="0"/>
+                <a:cs typeface="Arial" panose="020B0604020202020204" pitchFamily="34" charset="0"/>
+              </a:rPr>
+              <a:t>@</a:t>
+            </a:r>
+            <a:r>
+              <a:rPr lang="en-US" sz="1098" dirty="0" err="1">
+                <a:latin typeface="Arial" panose="020B0604020202020204" pitchFamily="34" charset="0"/>
+                <a:cs typeface="Arial" panose="020B0604020202020204" pitchFamily="34" charset="0"/>
+              </a:rPr>
+              <a:t>KelsieLLopez</a:t>
+            </a:r>
+            <a:endParaRPr lang="en-US" sz="1098" dirty="0">
+              <a:latin typeface="Arial" panose="020B0604020202020204" pitchFamily="34" charset="0"/>
+              <a:cs typeface="Arial" panose="020B0604020202020204" pitchFamily="34" charset="0"/>
+            </a:endParaRPr>
+          </a:p>
+        </p:txBody>
+      </p:sp>
+      <p:sp>
+        <p:nvSpPr>
+          <p:cNvPr id="36" name="Google Shape;100;p1">
+            <a:extLst>
+              <a:ext uri="{FF2B5EF4-FFF2-40B4-BE49-F238E27FC236}">
+                <a16:creationId xmlns:a16="http://schemas.microsoft.com/office/drawing/2014/main" id="{C3984BA8-A535-ADCF-064C-56DD6FA7E6FB}"/>
+              </a:ext>
+            </a:extLst>
+          </p:cNvPr>
+          <p:cNvSpPr/>
+          <p:nvPr/>
+        </p:nvSpPr>
+        <p:spPr>
+          <a:xfrm>
+            <a:off x="10538359" y="19846264"/>
+            <a:ext cx="9542907" cy="1237531"/>
+          </a:xfrm>
+          <a:prstGeom prst="rect">
+            <a:avLst/>
+          </a:prstGeom>
+          <a:solidFill>
+            <a:srgbClr val="9A0000"/>
+          </a:solidFill>
+          <a:ln w="12700" cap="flat" cmpd="sng">
+            <a:noFill/>
+            <a:prstDash val="solid"/>
+            <a:miter lim="800000"/>
+            <a:headEnd type="none" w="sm" len="sm"/>
+            <a:tailEnd type="none" w="sm" len="sm"/>
+          </a:ln>
+        </p:spPr>
+        <p:txBody>
+          <a:bodyPr spcFirstLastPara="1" wrap="square" lIns="62856" tIns="31418" rIns="62856" bIns="31418" anchor="ctr" anchorCtr="0">
+            <a:noAutofit/>
+          </a:bodyPr>
+          <a:lstStyle/>
+          <a:p>
+            <a:pPr algn="ctr"/>
+            <a:r>
+              <a:rPr lang="en-US" sz="3578" b="1" dirty="0">
+                <a:solidFill>
+                  <a:schemeClr val="lt1"/>
+                </a:solidFill>
+                <a:latin typeface="Arial" panose="020B0604020202020204" pitchFamily="34" charset="0"/>
+                <a:ea typeface="Helvetica Neue"/>
+                <a:cs typeface="Arial" panose="020B0604020202020204" pitchFamily="34" charset="0"/>
+                <a:sym typeface="Helvetica Neue"/>
+              </a:rPr>
+              <a:t> Music@Home – Retrospective Scale Example Items </a:t>
+            </a:r>
+            <a:endParaRPr sz="3578" dirty="0">
+              <a:latin typeface="Arial" panose="020B0604020202020204" pitchFamily="34" charset="0"/>
+              <a:cs typeface="Arial" panose="020B0604020202020204" pitchFamily="34" charset="0"/>
+            </a:endParaRPr>
+          </a:p>
+        </p:txBody>
+      </p:sp>
+      <p:sp>
+        <p:nvSpPr>
+          <p:cNvPr id="37" name="Google Shape;86;p1">
+            <a:extLst>
+              <a:ext uri="{FF2B5EF4-FFF2-40B4-BE49-F238E27FC236}">
+                <a16:creationId xmlns:a16="http://schemas.microsoft.com/office/drawing/2014/main" id="{D8F94864-B684-D4F0-D61B-3BB6CD0057DD}"/>
+              </a:ext>
+            </a:extLst>
+          </p:cNvPr>
+          <p:cNvSpPr/>
+          <p:nvPr/>
+        </p:nvSpPr>
+        <p:spPr>
+          <a:xfrm>
+            <a:off x="10562057" y="21193819"/>
+            <a:ext cx="9495512" cy="9687473"/>
+          </a:xfrm>
+          <a:prstGeom prst="rect">
+            <a:avLst/>
+          </a:prstGeom>
+          <a:noFill/>
+          <a:ln w="12700" cap="flat" cmpd="sng">
+            <a:noFill/>
+            <a:prstDash val="solid"/>
+            <a:miter lim="800000"/>
+            <a:headEnd type="none" w="sm" len="sm"/>
+            <a:tailEnd type="none" w="sm" len="sm"/>
+          </a:ln>
+          <a:effectLst/>
+        </p:spPr>
+        <p:txBody>
+          <a:bodyPr spcFirstLastPara="1" wrap="square" lIns="188581" tIns="31418" rIns="188581" bIns="31418" anchor="t" anchorCtr="0">
+            <a:noAutofit/>
+          </a:bodyPr>
+          <a:lstStyle/>
+          <a:p>
+            <a:pPr marR="0" lvl="0" fontAlgn="base">
+              <a:spcBef>
+                <a:spcPts val="500"/>
+              </a:spcBef>
+              <a:spcAft>
+                <a:spcPts val="0"/>
+              </a:spcAft>
+              <a:tabLst>
+                <a:tab pos="457200" algn="l"/>
+              </a:tabLst>
+            </a:pPr>
+            <a:r>
+              <a:rPr lang="en-US" sz="3000" b="1" dirty="0">
+                <a:solidFill>
+                  <a:srgbClr val="000000"/>
+                </a:solidFill>
+                <a:effectLst/>
+                <a:latin typeface="Arial" panose="020B0604020202020204" pitchFamily="34" charset="0"/>
+                <a:ea typeface="Times New Roman" panose="02020603050405020304" pitchFamily="18" charset="0"/>
+                <a:cs typeface="Arial" panose="020B0604020202020204" pitchFamily="34" charset="0"/>
+              </a:rPr>
+              <a:t>Caregiver Beliefs:</a:t>
+            </a:r>
+          </a:p>
+          <a:p>
+            <a:pPr marR="0" lvl="0" fontAlgn="base">
+              <a:spcBef>
+                <a:spcPts val="500"/>
+              </a:spcBef>
+              <a:spcAft>
+                <a:spcPts val="0"/>
+              </a:spcAft>
+              <a:tabLst>
+                <a:tab pos="457200" algn="l"/>
+              </a:tabLst>
+            </a:pPr>
+            <a:r>
+              <a:rPr lang="en-US" sz="3000" dirty="0">
+                <a:solidFill>
+                  <a:srgbClr val="000000"/>
+                </a:solidFill>
+                <a:effectLst/>
+                <a:latin typeface="Arial" panose="020B0604020202020204" pitchFamily="34" charset="0"/>
+                <a:ea typeface="Times New Roman" panose="02020603050405020304" pitchFamily="18" charset="0"/>
+                <a:cs typeface="Arial" panose="020B0604020202020204" pitchFamily="34" charset="0"/>
+              </a:rPr>
+              <a:t>My caregivers believed that I should learn to play an instrument.</a:t>
+            </a:r>
+            <a:endParaRPr lang="en-US" sz="3000" b="1" dirty="0">
+              <a:latin typeface="Arial" panose="020B0604020202020204" pitchFamily="34" charset="0"/>
+              <a:ea typeface="Calibri" panose="020F0502020204030204" pitchFamily="34" charset="0"/>
+              <a:cs typeface="Arial" panose="020B0604020202020204" pitchFamily="34" charset="0"/>
+            </a:endParaRPr>
+          </a:p>
+          <a:p>
+            <a:pPr marR="0" lvl="0" fontAlgn="base">
+              <a:spcBef>
+                <a:spcPts val="500"/>
+              </a:spcBef>
+              <a:spcAft>
+                <a:spcPts val="0"/>
+              </a:spcAft>
+              <a:tabLst>
+                <a:tab pos="457200" algn="l"/>
+              </a:tabLst>
+            </a:pPr>
+            <a:r>
+              <a:rPr lang="en-US" sz="3000" b="1" dirty="0">
+                <a:solidFill>
+                  <a:srgbClr val="000000"/>
+                </a:solidFill>
+                <a:effectLst/>
+                <a:latin typeface="Arial" panose="020B0604020202020204" pitchFamily="34" charset="0"/>
+                <a:ea typeface="Calibri" panose="020F0502020204030204" pitchFamily="34" charset="0"/>
+                <a:cs typeface="Arial" panose="020B0604020202020204" pitchFamily="34" charset="0"/>
+              </a:rPr>
+              <a:t>Caregiver Initiation of Singing:</a:t>
+            </a:r>
+          </a:p>
+          <a:p>
+            <a:pPr fontAlgn="base">
+              <a:spcBef>
+                <a:spcPts val="500"/>
+              </a:spcBef>
+              <a:tabLst>
+                <a:tab pos="457200" algn="l"/>
+              </a:tabLst>
+            </a:pPr>
+            <a:r>
+              <a:rPr lang="en-US" sz="3000" dirty="0">
+                <a:solidFill>
+                  <a:srgbClr val="000000"/>
+                </a:solidFill>
+                <a:effectLst/>
+                <a:latin typeface="Arial" panose="020B0604020202020204" pitchFamily="34" charset="0"/>
+                <a:ea typeface="Times New Roman" panose="02020603050405020304" pitchFamily="18" charset="0"/>
+                <a:cs typeface="Arial" panose="020B0604020202020204" pitchFamily="34" charset="0"/>
+              </a:rPr>
+              <a:t>My caregivers sang to/with me in many different situations (e.g. during playtime, with friends and family, in the car).</a:t>
+            </a:r>
+            <a:endParaRPr lang="en-US" sz="3000" b="1" dirty="0">
+              <a:latin typeface="Arial" panose="020B0604020202020204" pitchFamily="34" charset="0"/>
+              <a:ea typeface="Calibri" panose="020F0502020204030204" pitchFamily="34" charset="0"/>
+              <a:cs typeface="Arial" panose="020B0604020202020204" pitchFamily="34" charset="0"/>
+            </a:endParaRPr>
+          </a:p>
+          <a:p>
+            <a:pPr marR="0" lvl="0" fontAlgn="base">
+              <a:spcBef>
+                <a:spcPts val="500"/>
+              </a:spcBef>
+              <a:spcAft>
+                <a:spcPts val="0"/>
+              </a:spcAft>
+              <a:tabLst>
+                <a:tab pos="457200" algn="l"/>
+              </a:tabLst>
+            </a:pPr>
+            <a:r>
+              <a:rPr lang="en-US" sz="3000" b="1" dirty="0">
+                <a:solidFill>
+                  <a:srgbClr val="000000"/>
+                </a:solidFill>
+                <a:effectLst/>
+                <a:latin typeface="Arial" panose="020B0604020202020204" pitchFamily="34" charset="0"/>
+                <a:ea typeface="Calibri" panose="020F0502020204030204" pitchFamily="34" charset="0"/>
+                <a:cs typeface="Arial" panose="020B0604020202020204" pitchFamily="34" charset="0"/>
+              </a:rPr>
+              <a:t>Childhood Home Musical Environment:</a:t>
+            </a:r>
+          </a:p>
+          <a:p>
+            <a:pPr fontAlgn="base">
+              <a:spcBef>
+                <a:spcPts val="500"/>
+              </a:spcBef>
+              <a:tabLst>
+                <a:tab pos="457200" algn="l"/>
+              </a:tabLst>
+            </a:pPr>
+            <a:r>
+              <a:rPr lang="en-US" sz="3000" dirty="0">
+                <a:solidFill>
+                  <a:srgbClr val="000000"/>
+                </a:solidFill>
+                <a:effectLst/>
+                <a:latin typeface="Arial" panose="020B0604020202020204" pitchFamily="34" charset="0"/>
+                <a:ea typeface="Times New Roman" panose="02020603050405020304" pitchFamily="18" charset="0"/>
+                <a:cs typeface="Arial" panose="020B0604020202020204" pitchFamily="34" charset="0"/>
+              </a:rPr>
+              <a:t>I have negative memories of the music I heard in the home as a child. (Reverse scored)</a:t>
+            </a:r>
+            <a:endParaRPr lang="en-US" sz="3000" b="1" dirty="0">
+              <a:latin typeface="Arial" panose="020B0604020202020204" pitchFamily="34" charset="0"/>
+              <a:ea typeface="Calibri" panose="020F0502020204030204" pitchFamily="34" charset="0"/>
+              <a:cs typeface="Arial" panose="020B0604020202020204" pitchFamily="34" charset="0"/>
+            </a:endParaRPr>
+          </a:p>
+          <a:p>
+            <a:pPr marR="0" lvl="0" fontAlgn="base">
+              <a:spcBef>
+                <a:spcPts val="500"/>
+              </a:spcBef>
+              <a:spcAft>
+                <a:spcPts val="0"/>
+              </a:spcAft>
+              <a:tabLst>
+                <a:tab pos="457200" algn="l"/>
+              </a:tabLst>
+            </a:pPr>
+            <a:r>
+              <a:rPr lang="en-US" sz="3000" b="1" dirty="0">
+                <a:latin typeface="Arial" panose="020B0604020202020204" pitchFamily="34" charset="0"/>
+                <a:ea typeface="Calibri" panose="020F0502020204030204" pitchFamily="34" charset="0"/>
+                <a:cs typeface="Arial" panose="020B0604020202020204" pitchFamily="34" charset="0"/>
+              </a:rPr>
+              <a:t>Social Listening Contexts:</a:t>
+            </a:r>
+          </a:p>
+          <a:p>
+            <a:pPr fontAlgn="base">
+              <a:spcBef>
+                <a:spcPts val="500"/>
+              </a:spcBef>
+              <a:tabLst>
+                <a:tab pos="457200" algn="l"/>
+              </a:tabLst>
+            </a:pPr>
+            <a:r>
+              <a:rPr lang="en-US" sz="3000" dirty="0">
+                <a:solidFill>
+                  <a:srgbClr val="000000"/>
+                </a:solidFill>
+                <a:effectLst/>
+                <a:latin typeface="Arial" panose="020B0604020202020204" pitchFamily="34" charset="0"/>
+                <a:ea typeface="Times New Roman" panose="02020603050405020304" pitchFamily="18" charset="0"/>
+                <a:cs typeface="Arial" panose="020B0604020202020204" pitchFamily="34" charset="0"/>
+              </a:rPr>
+              <a:t>I associate music I heard as a child with social contexts (listening with caregivers, siblings, friends).</a:t>
+            </a:r>
+            <a:endParaRPr lang="en-US" sz="3000" b="1" dirty="0">
+              <a:latin typeface="Arial" panose="020B0604020202020204" pitchFamily="34" charset="0"/>
+              <a:ea typeface="Calibri" panose="020F0502020204030204" pitchFamily="34" charset="0"/>
+              <a:cs typeface="Arial" panose="020B0604020202020204" pitchFamily="34" charset="0"/>
+            </a:endParaRPr>
+          </a:p>
+          <a:p>
+            <a:pPr marR="0" lvl="0" fontAlgn="base">
+              <a:spcBef>
+                <a:spcPts val="500"/>
+              </a:spcBef>
+              <a:spcAft>
+                <a:spcPts val="0"/>
+              </a:spcAft>
+              <a:tabLst>
+                <a:tab pos="457200" algn="l"/>
+              </a:tabLst>
+            </a:pPr>
+            <a:r>
+              <a:rPr lang="en-US" sz="3000" b="1" dirty="0">
+                <a:solidFill>
+                  <a:srgbClr val="000000"/>
+                </a:solidFill>
+                <a:effectLst/>
+                <a:latin typeface="Arial" panose="020B0604020202020204" pitchFamily="34" charset="0"/>
+                <a:ea typeface="Calibri" panose="020F0502020204030204" pitchFamily="34" charset="0"/>
+                <a:cs typeface="Arial" panose="020B0604020202020204" pitchFamily="34" charset="0"/>
+              </a:rPr>
+              <a:t>Child Engagement with Music:</a:t>
+            </a:r>
+          </a:p>
+          <a:p>
+            <a:pPr fontAlgn="base">
+              <a:spcBef>
+                <a:spcPts val="500"/>
+              </a:spcBef>
+              <a:tabLst>
+                <a:tab pos="457200" algn="l"/>
+              </a:tabLst>
+            </a:pPr>
+            <a:r>
+              <a:rPr lang="en-US" sz="3000" dirty="0">
+                <a:solidFill>
+                  <a:srgbClr val="000000"/>
+                </a:solidFill>
+                <a:effectLst/>
+                <a:latin typeface="Arial" panose="020B0604020202020204" pitchFamily="34" charset="0"/>
+                <a:ea typeface="Times New Roman" panose="02020603050405020304" pitchFamily="18" charset="0"/>
+                <a:cs typeface="Arial" panose="020B0604020202020204" pitchFamily="34" charset="0"/>
+              </a:rPr>
+              <a:t>I enjoyed making sounds/interacting with musical instruments (including toy ones).</a:t>
+            </a:r>
+            <a:endParaRPr lang="en-US" sz="3000" dirty="0">
+              <a:solidFill>
+                <a:srgbClr val="000000"/>
+              </a:solidFill>
+              <a:effectLst/>
+              <a:latin typeface="Arial" panose="020B0604020202020204" pitchFamily="34" charset="0"/>
+              <a:ea typeface="Calibri" panose="020F0502020204030204" pitchFamily="34" charset="0"/>
+              <a:cs typeface="Arial" panose="020B0604020202020204" pitchFamily="34" charset="0"/>
+            </a:endParaRPr>
+          </a:p>
+          <a:p>
+            <a:pPr algn="just" fontAlgn="base"/>
+            <a:endParaRPr lang="en-US" sz="3000" dirty="0">
+              <a:solidFill>
+                <a:schemeClr val="dk1"/>
+              </a:solidFill>
+              <a:latin typeface="Arial" panose="020B0604020202020204" pitchFamily="34" charset="0"/>
+              <a:ea typeface="Helvetica Neue"/>
+              <a:cs typeface="Arial" panose="020B0604020202020204" pitchFamily="34" charset="0"/>
+              <a:sym typeface="Helvetica Neue"/>
+            </a:endParaRPr>
+          </a:p>
+        </p:txBody>
+      </p:sp>
+      <p:sp>
+        <p:nvSpPr>
+          <p:cNvPr id="38" name="TextBox 37">
+            <a:extLst>
+              <a:ext uri="{FF2B5EF4-FFF2-40B4-BE49-F238E27FC236}">
+                <a16:creationId xmlns:a16="http://schemas.microsoft.com/office/drawing/2014/main" id="{EC7F945D-443E-F671-A967-470FE233BA80}"/>
+              </a:ext>
+            </a:extLst>
+          </p:cNvPr>
+          <p:cNvSpPr txBox="1"/>
+          <p:nvPr/>
+        </p:nvSpPr>
+        <p:spPr>
+          <a:xfrm>
+            <a:off x="11911263" y="18902196"/>
+            <a:ext cx="6052687" cy="646331"/>
+          </a:xfrm>
+          <a:prstGeom prst="rect">
+            <a:avLst/>
+          </a:prstGeom>
+          <a:noFill/>
+        </p:spPr>
+        <p:txBody>
+          <a:bodyPr wrap="square" rtlCol="0">
+            <a:spAutoFit/>
+          </a:bodyPr>
+          <a:lstStyle/>
+          <a:p>
+            <a:pPr algn="ctr"/>
+            <a:r>
+              <a:rPr lang="en-US" sz="1800" dirty="0"/>
+              <a:t>Blue loadings correspond to Study 1 (EFA) whereas Red loadings correspond to Study 2 (CFA).</a:t>
+            </a:r>
+          </a:p>
+        </p:txBody>
+      </p:sp>
+      <p:pic>
+        <p:nvPicPr>
+          <p:cNvPr id="46" name="Picture 45">
+            <a:extLst>
+              <a:ext uri="{FF2B5EF4-FFF2-40B4-BE49-F238E27FC236}">
+                <a16:creationId xmlns:a16="http://schemas.microsoft.com/office/drawing/2014/main" id="{ECD67B69-7985-B5CE-1ECB-5ADEF7EF4FBE}"/>
+              </a:ext>
+            </a:extLst>
+          </p:cNvPr>
+          <p:cNvPicPr>
+            <a:picLocks noChangeAspect="1"/>
+          </p:cNvPicPr>
+          <p:nvPr/>
+        </p:nvPicPr>
+        <p:blipFill>
+          <a:blip r:embed="rId15"/>
+          <a:stretch>
+            <a:fillRect/>
+          </a:stretch>
+        </p:blipFill>
+        <p:spPr>
+          <a:xfrm>
+            <a:off x="25674765" y="31488962"/>
+            <a:ext cx="2160985" cy="2182960"/>
+          </a:xfrm>
+          <a:prstGeom prst="rect">
+            <a:avLst/>
+          </a:prstGeom>
+        </p:spPr>
+      </p:pic>
+      <p:sp>
+        <p:nvSpPr>
+          <p:cNvPr id="47" name="TextBox 46">
+            <a:extLst>
+              <a:ext uri="{FF2B5EF4-FFF2-40B4-BE49-F238E27FC236}">
+                <a16:creationId xmlns:a16="http://schemas.microsoft.com/office/drawing/2014/main" id="{11F49553-722D-B58A-9E8A-809464403E45}"/>
+              </a:ext>
+            </a:extLst>
+          </p:cNvPr>
+          <p:cNvSpPr txBox="1"/>
+          <p:nvPr/>
+        </p:nvSpPr>
+        <p:spPr>
+          <a:xfrm>
+            <a:off x="21407865" y="32101847"/>
+            <a:ext cx="4639332" cy="954107"/>
+          </a:xfrm>
+          <a:prstGeom prst="rect">
+            <a:avLst/>
+          </a:prstGeom>
+          <a:noFill/>
+        </p:spPr>
+        <p:txBody>
+          <a:bodyPr wrap="square" rtlCol="0">
+            <a:spAutoFit/>
+          </a:bodyPr>
+          <a:lstStyle/>
+          <a:p>
+            <a:pPr algn="ctr"/>
+            <a:r>
+              <a:rPr lang="en-US" sz="2800" b="1" dirty="0"/>
+              <a:t>Music@Home – Retrospective Scale</a:t>
+            </a:r>
+          </a:p>
+        </p:txBody>
+      </p:sp>
+      <p:sp>
+        <p:nvSpPr>
+          <p:cNvPr id="48" name="TextBox 47">
+            <a:extLst>
+              <a:ext uri="{FF2B5EF4-FFF2-40B4-BE49-F238E27FC236}">
+                <a16:creationId xmlns:a16="http://schemas.microsoft.com/office/drawing/2014/main" id="{355AA8BE-56D8-EAB7-FF4B-49395C8426DA}"/>
+              </a:ext>
+            </a:extLst>
+          </p:cNvPr>
+          <p:cNvSpPr txBox="1"/>
+          <p:nvPr/>
+        </p:nvSpPr>
+        <p:spPr>
+          <a:xfrm>
+            <a:off x="20409500" y="34566199"/>
+            <a:ext cx="9540688" cy="5119350"/>
+          </a:xfrm>
+          <a:prstGeom prst="rect">
+            <a:avLst/>
+          </a:prstGeom>
+          <a:noFill/>
+        </p:spPr>
+        <p:txBody>
+          <a:bodyPr wrap="square" rtlCol="0">
+            <a:spAutoFit/>
+          </a:bodyPr>
+          <a:lstStyle/>
+          <a:p>
+            <a:pPr marL="306070" indent="-457200" rtl="0">
+              <a:spcBef>
+                <a:spcPts val="0"/>
+              </a:spcBef>
+              <a:spcAft>
+                <a:spcPts val="200"/>
+              </a:spcAft>
+              <a:buAutoNum type="arabicPeriod"/>
+            </a:pPr>
+            <a:r>
+              <a:rPr lang="en-US" sz="1000" b="0" i="0" u="none" strike="noStrike" dirty="0">
+                <a:solidFill>
+                  <a:srgbClr val="000000"/>
+                </a:solidFill>
+                <a:effectLst/>
+                <a:latin typeface="Arial" panose="020B0604020202020204" pitchFamily="34" charset="0"/>
+                <a:cs typeface="Arial" panose="020B0604020202020204" pitchFamily="34" charset="0"/>
+              </a:rPr>
+              <a:t>Gabard-Durnam, L., &amp; McLaughlin, K. A. (2020). Sensitive periods in human development: Charting a course for the future. </a:t>
+            </a:r>
+            <a:r>
+              <a:rPr lang="en-US" sz="1000" b="0" i="1" u="none" strike="noStrike" dirty="0">
+                <a:solidFill>
+                  <a:srgbClr val="000000"/>
+                </a:solidFill>
+                <a:effectLst/>
+                <a:latin typeface="Arial" panose="020B0604020202020204" pitchFamily="34" charset="0"/>
+                <a:cs typeface="Arial" panose="020B0604020202020204" pitchFamily="34" charset="0"/>
+              </a:rPr>
+              <a:t>Current Opinion in Behavioral Sciences</a:t>
+            </a:r>
+            <a:r>
+              <a:rPr lang="en-US" sz="1000" b="0" i="0" u="none" strike="noStrike" dirty="0">
+                <a:solidFill>
+                  <a:srgbClr val="000000"/>
+                </a:solidFill>
+                <a:effectLst/>
+                <a:latin typeface="Arial" panose="020B0604020202020204" pitchFamily="34" charset="0"/>
+                <a:cs typeface="Arial" panose="020B0604020202020204" pitchFamily="34" charset="0"/>
+              </a:rPr>
+              <a:t>, 36, 120–128.</a:t>
+            </a:r>
+          </a:p>
+          <a:p>
+            <a:pPr marL="306070" indent="-457200" rtl="0">
+              <a:spcBef>
+                <a:spcPts val="0"/>
+              </a:spcBef>
+              <a:spcAft>
+                <a:spcPts val="200"/>
+              </a:spcAft>
+              <a:buAutoNum type="arabicPeriod"/>
+            </a:pPr>
+            <a:r>
+              <a:rPr lang="en-US" sz="1000" b="0" i="0" u="none" strike="noStrike" dirty="0" err="1">
+                <a:solidFill>
+                  <a:srgbClr val="000000"/>
+                </a:solidFill>
+                <a:effectLst/>
+                <a:latin typeface="Arial" panose="020B0604020202020204" pitchFamily="34" charset="0"/>
+                <a:cs typeface="Arial" panose="020B0604020202020204" pitchFamily="34" charset="0"/>
+              </a:rPr>
+              <a:t>Fancourt</a:t>
+            </a:r>
+            <a:r>
+              <a:rPr lang="en-US" sz="1000" b="0" i="0" u="none" strike="noStrike" dirty="0">
+                <a:solidFill>
+                  <a:srgbClr val="000000"/>
+                </a:solidFill>
+                <a:effectLst/>
+                <a:latin typeface="Arial" panose="020B0604020202020204" pitchFamily="34" charset="0"/>
+                <a:cs typeface="Arial" panose="020B0604020202020204" pitchFamily="34" charset="0"/>
+              </a:rPr>
+              <a:t>, D., &amp; Perkins, R. (2018). Maternal engagement with music up to nine months post-birth: Findings from a cross-sectional study in England. Psychology of Music, 46(2), 238–251.</a:t>
+            </a:r>
+          </a:p>
+          <a:p>
+            <a:pPr marL="306070" indent="-457200" rtl="0">
+              <a:spcBef>
+                <a:spcPts val="0"/>
+              </a:spcBef>
+              <a:spcAft>
+                <a:spcPts val="200"/>
+              </a:spcAft>
+              <a:buAutoNum type="arabicPeriod"/>
+            </a:pPr>
+            <a:r>
+              <a:rPr lang="en-US" sz="1000" b="0" i="0" u="none" strike="noStrike" dirty="0">
+                <a:solidFill>
+                  <a:srgbClr val="000000"/>
+                </a:solidFill>
+                <a:effectLst/>
+                <a:latin typeface="Arial" panose="020B0604020202020204" pitchFamily="34" charset="0"/>
+                <a:cs typeface="Arial" panose="020B0604020202020204" pitchFamily="34" charset="0"/>
+              </a:rPr>
+              <a:t>Mendoza, J. K., &amp; </a:t>
+            </a:r>
+            <a:r>
+              <a:rPr lang="en-US" sz="1000" b="0" i="0" u="none" strike="noStrike" dirty="0" err="1">
+                <a:solidFill>
+                  <a:srgbClr val="000000"/>
+                </a:solidFill>
+                <a:effectLst/>
+                <a:latin typeface="Arial" panose="020B0604020202020204" pitchFamily="34" charset="0"/>
+                <a:cs typeface="Arial" panose="020B0604020202020204" pitchFamily="34" charset="0"/>
+              </a:rPr>
+              <a:t>Fausey</a:t>
+            </a:r>
+            <a:r>
+              <a:rPr lang="en-US" sz="1000" b="0" i="0" u="none" strike="noStrike" dirty="0">
+                <a:solidFill>
+                  <a:srgbClr val="000000"/>
+                </a:solidFill>
+                <a:effectLst/>
+                <a:latin typeface="Arial" panose="020B0604020202020204" pitchFamily="34" charset="0"/>
+                <a:cs typeface="Arial" panose="020B0604020202020204" pitchFamily="34" charset="0"/>
+              </a:rPr>
+              <a:t>, C. M. (2021). Everyday music in infancy. Developmental Science, 24(6), e13122. </a:t>
+            </a:r>
+          </a:p>
+          <a:p>
+            <a:pPr marL="306070" indent="-457200" rtl="0">
+              <a:spcBef>
+                <a:spcPts val="0"/>
+              </a:spcBef>
+              <a:spcAft>
+                <a:spcPts val="200"/>
+              </a:spcAft>
+              <a:buAutoNum type="arabicPeriod"/>
+            </a:pPr>
+            <a:r>
+              <a:rPr lang="en-US" sz="1000" b="0" i="0" u="none" strike="noStrike" dirty="0">
+                <a:solidFill>
+                  <a:srgbClr val="000000"/>
+                </a:solidFill>
+                <a:effectLst/>
+                <a:latin typeface="Arial" panose="020B0604020202020204" pitchFamily="34" charset="0"/>
+                <a:cs typeface="Arial" panose="020B0604020202020204" pitchFamily="34" charset="0"/>
+              </a:rPr>
+              <a:t>Bailey, J. A., &amp; </a:t>
+            </a:r>
+            <a:r>
+              <a:rPr lang="en-US" sz="1000" b="0" i="0" u="none" strike="noStrike" dirty="0" err="1">
+                <a:solidFill>
+                  <a:srgbClr val="000000"/>
+                </a:solidFill>
+                <a:effectLst/>
+                <a:latin typeface="Arial" panose="020B0604020202020204" pitchFamily="34" charset="0"/>
+                <a:cs typeface="Arial" panose="020B0604020202020204" pitchFamily="34" charset="0"/>
+              </a:rPr>
+              <a:t>Penhune</a:t>
+            </a:r>
+            <a:r>
+              <a:rPr lang="en-US" sz="1000" b="0" i="0" u="none" strike="noStrike" dirty="0">
+                <a:solidFill>
+                  <a:srgbClr val="000000"/>
+                </a:solidFill>
+                <a:effectLst/>
+                <a:latin typeface="Arial" panose="020B0604020202020204" pitchFamily="34" charset="0"/>
+                <a:cs typeface="Arial" panose="020B0604020202020204" pitchFamily="34" charset="0"/>
+              </a:rPr>
+              <a:t>, V. B. (2010). Rhythm synchronization performance and auditory working memory in early- and late-trained musicians. Experimental Brain Research, 204(1), 91–101. </a:t>
+            </a:r>
+          </a:p>
+          <a:p>
+            <a:pPr marL="306070" indent="-457200" rtl="0">
+              <a:spcBef>
+                <a:spcPts val="0"/>
+              </a:spcBef>
+              <a:spcAft>
+                <a:spcPts val="200"/>
+              </a:spcAft>
+              <a:buAutoNum type="arabicPeriod"/>
+            </a:pPr>
+            <a:r>
+              <a:rPr lang="en-US" sz="1000" b="0" i="0" u="none" strike="noStrike" dirty="0">
+                <a:solidFill>
+                  <a:srgbClr val="000000"/>
+                </a:solidFill>
+                <a:effectLst/>
+                <a:latin typeface="Arial" panose="020B0604020202020204" pitchFamily="34" charset="0"/>
+                <a:cs typeface="Arial" panose="020B0604020202020204" pitchFamily="34" charset="0"/>
+              </a:rPr>
+              <a:t>Papadimitriou, A., Smyth, C., </a:t>
+            </a:r>
+            <a:r>
+              <a:rPr lang="en-US" sz="1000" b="0" i="0" u="none" strike="noStrike" dirty="0" err="1">
+                <a:solidFill>
+                  <a:srgbClr val="000000"/>
+                </a:solidFill>
+                <a:effectLst/>
+                <a:latin typeface="Arial" panose="020B0604020202020204" pitchFamily="34" charset="0"/>
+                <a:cs typeface="Arial" panose="020B0604020202020204" pitchFamily="34" charset="0"/>
+              </a:rPr>
+              <a:t>Politimou</a:t>
+            </a:r>
+            <a:r>
+              <a:rPr lang="en-US" sz="1000" b="0" i="0" u="none" strike="noStrike" dirty="0">
+                <a:solidFill>
+                  <a:srgbClr val="000000"/>
+                </a:solidFill>
+                <a:effectLst/>
+                <a:latin typeface="Arial" panose="020B0604020202020204" pitchFamily="34" charset="0"/>
+                <a:cs typeface="Arial" panose="020B0604020202020204" pitchFamily="34" charset="0"/>
+              </a:rPr>
+              <a:t>, N., Franco, F., &amp; Stewart, L. (2021). The impac</a:t>
+            </a:r>
+            <a:r>
+              <a:rPr lang="en-US" sz="1000" dirty="0">
+                <a:latin typeface="Arial" panose="020B0604020202020204" pitchFamily="34" charset="0"/>
+                <a:cs typeface="Arial" panose="020B0604020202020204" pitchFamily="34" charset="0"/>
+              </a:rPr>
+              <a:t>t </a:t>
+            </a:r>
+            <a:r>
+              <a:rPr lang="en-US" sz="1000" b="0" i="0" u="none" strike="noStrike" dirty="0">
+                <a:solidFill>
+                  <a:srgbClr val="000000"/>
+                </a:solidFill>
+                <a:effectLst/>
+                <a:latin typeface="Arial" panose="020B0604020202020204" pitchFamily="34" charset="0"/>
+                <a:cs typeface="Arial" panose="020B0604020202020204" pitchFamily="34" charset="0"/>
+              </a:rPr>
+              <a:t>of the home musical environment on infants’ language development. Infant Behavior and Development, 65, 101651.</a:t>
+            </a:r>
+          </a:p>
+          <a:p>
+            <a:pPr marL="306070" indent="-457200" rtl="0">
+              <a:spcBef>
+                <a:spcPts val="0"/>
+              </a:spcBef>
+              <a:spcAft>
+                <a:spcPts val="200"/>
+              </a:spcAft>
+              <a:buAutoNum type="arabicPeriod"/>
+            </a:pPr>
+            <a:r>
+              <a:rPr lang="en-US" sz="1000" b="0" i="0" u="none" strike="noStrike" dirty="0" err="1">
+                <a:solidFill>
+                  <a:srgbClr val="000000"/>
+                </a:solidFill>
+                <a:effectLst/>
+                <a:latin typeface="Arial" panose="020B0604020202020204" pitchFamily="34" charset="0"/>
+                <a:cs typeface="Arial" panose="020B0604020202020204" pitchFamily="34" charset="0"/>
+              </a:rPr>
+              <a:t>Politimou</a:t>
+            </a:r>
+            <a:r>
+              <a:rPr lang="en-US" sz="1000" b="0" i="0" u="none" strike="noStrike" dirty="0">
+                <a:solidFill>
+                  <a:srgbClr val="000000"/>
+                </a:solidFill>
+                <a:effectLst/>
+                <a:latin typeface="Arial" panose="020B0604020202020204" pitchFamily="34" charset="0"/>
+                <a:cs typeface="Arial" panose="020B0604020202020204" pitchFamily="34" charset="0"/>
+              </a:rPr>
+              <a:t>, N., Stewart, L., </a:t>
+            </a:r>
+            <a:r>
+              <a:rPr lang="en-US" sz="1000" b="0" i="0" u="none" strike="noStrike" dirty="0" err="1">
+                <a:solidFill>
+                  <a:srgbClr val="000000"/>
+                </a:solidFill>
+                <a:effectLst/>
+                <a:latin typeface="Arial" panose="020B0604020202020204" pitchFamily="34" charset="0"/>
+                <a:cs typeface="Arial" panose="020B0604020202020204" pitchFamily="34" charset="0"/>
+              </a:rPr>
+              <a:t>Müllensiefen</a:t>
+            </a:r>
+            <a:r>
+              <a:rPr lang="en-US" sz="1000" b="0" i="0" u="none" strike="noStrike" dirty="0">
+                <a:solidFill>
+                  <a:srgbClr val="000000"/>
+                </a:solidFill>
+                <a:effectLst/>
+                <a:latin typeface="Arial" panose="020B0604020202020204" pitchFamily="34" charset="0"/>
+                <a:cs typeface="Arial" panose="020B0604020202020204" pitchFamily="34" charset="0"/>
+              </a:rPr>
+              <a:t>, D., &amp; Franco, F. (2018). Music@Home: A novel instrument to assess the home musical environment in the early years. PLOS ONE, 13(4), e0193819.</a:t>
+            </a:r>
+          </a:p>
+          <a:p>
+            <a:pPr marL="306070" indent="-457200" rtl="0">
+              <a:spcBef>
+                <a:spcPts val="0"/>
+              </a:spcBef>
+              <a:spcAft>
+                <a:spcPts val="200"/>
+              </a:spcAft>
+              <a:buAutoNum type="arabicPeriod"/>
+            </a:pPr>
+            <a:r>
+              <a:rPr lang="en-US" sz="1000" b="0" i="0" u="none" strike="noStrike" dirty="0">
+                <a:solidFill>
+                  <a:srgbClr val="000000"/>
+                </a:solidFill>
+                <a:effectLst/>
+                <a:latin typeface="Arial" panose="020B0604020202020204" pitchFamily="34" charset="0"/>
+                <a:cs typeface="Arial" panose="020B0604020202020204" pitchFamily="34" charset="0"/>
+              </a:rPr>
+              <a:t>Kathios, N., Patel, A. D., &amp; Loui, P. (2023). Musical Anhedonia, timbre, and the rewards of musical listening. Timbre, and the Rewards of Musical Listening.</a:t>
+            </a:r>
+          </a:p>
+          <a:p>
+            <a:pPr marL="306070" indent="-457200" rtl="0">
+              <a:spcBef>
+                <a:spcPts val="0"/>
+              </a:spcBef>
+              <a:spcAft>
+                <a:spcPts val="200"/>
+              </a:spcAft>
+              <a:buAutoNum type="arabicPeriod"/>
+            </a:pPr>
+            <a:r>
+              <a:rPr lang="en-US" sz="1000" b="0" i="0" u="none" strike="noStrike" dirty="0">
+                <a:solidFill>
+                  <a:srgbClr val="000000"/>
+                </a:solidFill>
+                <a:effectLst/>
+                <a:latin typeface="Arial" panose="020B0604020202020204" pitchFamily="34" charset="0"/>
+                <a:cs typeface="Arial" panose="020B0604020202020204" pitchFamily="34" charset="0"/>
+              </a:rPr>
+              <a:t>Glynn, L. M., Stern, H. S., Howland, M. A., </a:t>
+            </a:r>
+            <a:r>
+              <a:rPr lang="en-US" sz="1000" b="0" i="0" u="none" strike="noStrike" dirty="0" err="1">
+                <a:solidFill>
+                  <a:srgbClr val="000000"/>
+                </a:solidFill>
+                <a:effectLst/>
+                <a:latin typeface="Arial" panose="020B0604020202020204" pitchFamily="34" charset="0"/>
+                <a:cs typeface="Arial" panose="020B0604020202020204" pitchFamily="34" charset="0"/>
+              </a:rPr>
+              <a:t>Risbrough</a:t>
+            </a:r>
+            <a:r>
+              <a:rPr lang="en-US" sz="1000" b="0" i="0" u="none" strike="noStrike" dirty="0">
+                <a:solidFill>
+                  <a:srgbClr val="000000"/>
+                </a:solidFill>
+                <a:effectLst/>
+                <a:latin typeface="Arial" panose="020B0604020202020204" pitchFamily="34" charset="0"/>
+                <a:cs typeface="Arial" panose="020B0604020202020204" pitchFamily="34" charset="0"/>
+              </a:rPr>
+              <a:t>, V. B., Baker, D. G., </a:t>
+            </a:r>
+            <a:r>
+              <a:rPr lang="en-US" sz="1000" b="0" i="0" u="none" strike="noStrike" dirty="0" err="1">
+                <a:solidFill>
+                  <a:srgbClr val="000000"/>
+                </a:solidFill>
+                <a:effectLst/>
+                <a:latin typeface="Arial" panose="020B0604020202020204" pitchFamily="34" charset="0"/>
+                <a:cs typeface="Arial" panose="020B0604020202020204" pitchFamily="34" charset="0"/>
+              </a:rPr>
+              <a:t>Nievergelt</a:t>
+            </a:r>
+            <a:r>
+              <a:rPr lang="en-US" sz="1000" b="0" i="0" u="none" strike="noStrike" dirty="0">
+                <a:solidFill>
+                  <a:srgbClr val="000000"/>
+                </a:solidFill>
+                <a:effectLst/>
+                <a:latin typeface="Arial" panose="020B0604020202020204" pitchFamily="34" charset="0"/>
+                <a:cs typeface="Arial" panose="020B0604020202020204" pitchFamily="34" charset="0"/>
+              </a:rPr>
+              <a:t>, C. M., </a:t>
+            </a:r>
+            <a:r>
+              <a:rPr lang="en-US" sz="1000" b="0" i="0" u="none" strike="noStrike" dirty="0" err="1">
+                <a:solidFill>
+                  <a:srgbClr val="000000"/>
+                </a:solidFill>
+                <a:effectLst/>
+                <a:latin typeface="Arial" panose="020B0604020202020204" pitchFamily="34" charset="0"/>
+                <a:cs typeface="Arial" panose="020B0604020202020204" pitchFamily="34" charset="0"/>
+              </a:rPr>
+              <a:t>Baram</a:t>
+            </a:r>
+            <a:r>
+              <a:rPr lang="en-US" sz="1000" b="0" i="0" u="none" strike="noStrike" dirty="0">
+                <a:solidFill>
+                  <a:srgbClr val="000000"/>
+                </a:solidFill>
+                <a:effectLst/>
+                <a:latin typeface="Arial" panose="020B0604020202020204" pitchFamily="34" charset="0"/>
+                <a:cs typeface="Arial" panose="020B0604020202020204" pitchFamily="34" charset="0"/>
+              </a:rPr>
+              <a:t>, T. Z., &amp; Davis, E. P. (2019). Measuring novel antecedents of mental illness: The Questionnaire of Unpredictability in Childhood. Neuropsychopharmacology, 44(5), Article 5.</a:t>
+            </a:r>
+          </a:p>
+          <a:p>
+            <a:pPr marL="306070" indent="-457200" rtl="0">
+              <a:spcBef>
+                <a:spcPts val="0"/>
+              </a:spcBef>
+              <a:spcAft>
+                <a:spcPts val="200"/>
+              </a:spcAft>
+              <a:buAutoNum type="arabicPeriod"/>
+            </a:pPr>
+            <a:r>
+              <a:rPr lang="en-US" sz="1000" b="0" i="0" u="none" strike="noStrike" dirty="0">
+                <a:solidFill>
+                  <a:srgbClr val="000000"/>
+                </a:solidFill>
+                <a:effectLst/>
+                <a:latin typeface="Arial" panose="020B0604020202020204" pitchFamily="34" charset="0"/>
+                <a:cs typeface="Arial" panose="020B0604020202020204" pitchFamily="34" charset="0"/>
+              </a:rPr>
+              <a:t>Matheny, A. P., </a:t>
+            </a:r>
+            <a:r>
+              <a:rPr lang="en-US" sz="1000" b="0" i="0" u="none" strike="noStrike" dirty="0" err="1">
+                <a:solidFill>
+                  <a:srgbClr val="000000"/>
+                </a:solidFill>
+                <a:effectLst/>
+                <a:latin typeface="Arial" panose="020B0604020202020204" pitchFamily="34" charset="0"/>
+                <a:cs typeface="Arial" panose="020B0604020202020204" pitchFamily="34" charset="0"/>
+              </a:rPr>
+              <a:t>Wachs</a:t>
+            </a:r>
+            <a:r>
+              <a:rPr lang="en-US" sz="1000" b="0" i="0" u="none" strike="noStrike" dirty="0">
+                <a:solidFill>
+                  <a:srgbClr val="000000"/>
+                </a:solidFill>
+                <a:effectLst/>
+                <a:latin typeface="Arial" panose="020B0604020202020204" pitchFamily="34" charset="0"/>
+                <a:cs typeface="Arial" panose="020B0604020202020204" pitchFamily="34" charset="0"/>
+              </a:rPr>
+              <a:t>, T. D., Ludwig, J. L., &amp; Phillips, K. (1995). Bringing order out of chaos: Psychometric characteristics of the confusion, hubbub, and order scale. Journal of Applied Developmental Psychology, 16(3), 429–444.</a:t>
+            </a:r>
+          </a:p>
+          <a:p>
+            <a:pPr marL="306070" indent="-457200" rtl="0">
+              <a:spcBef>
+                <a:spcPts val="0"/>
+              </a:spcBef>
+              <a:spcAft>
+                <a:spcPts val="200"/>
+              </a:spcAft>
+              <a:buAutoNum type="arabicPeriod"/>
+            </a:pPr>
+            <a:r>
+              <a:rPr lang="en-US" sz="1000" b="0" i="0" u="none" strike="noStrike" dirty="0">
+                <a:solidFill>
+                  <a:srgbClr val="000000"/>
+                </a:solidFill>
+                <a:effectLst/>
+                <a:latin typeface="Arial" panose="020B0604020202020204" pitchFamily="34" charset="0"/>
+                <a:cs typeface="Arial" panose="020B0604020202020204" pitchFamily="34" charset="0"/>
+              </a:rPr>
+              <a:t>McLaughlin, K. A., Sheridan, M. A., &amp; Lambert, H. K. (2014). Childhood adversity and neural development: Deprivation and threat as distinct dimensions of early experience. Neuroscience &amp; Biobehavioral Reviews, 47, 578–591. </a:t>
+            </a:r>
+          </a:p>
+          <a:p>
+            <a:pPr marL="306070" indent="-457200" rtl="0">
+              <a:spcBef>
+                <a:spcPts val="0"/>
+              </a:spcBef>
+              <a:spcAft>
+                <a:spcPts val="200"/>
+              </a:spcAft>
+              <a:buAutoNum type="arabicPeriod"/>
+            </a:pPr>
+            <a:r>
+              <a:rPr lang="en-US" sz="1000" b="0" i="0" u="none" strike="noStrike" dirty="0">
+                <a:solidFill>
+                  <a:srgbClr val="000000"/>
+                </a:solidFill>
+                <a:effectLst/>
+                <a:latin typeface="Arial" panose="020B0604020202020204" pitchFamily="34" charset="0"/>
+                <a:cs typeface="Arial" panose="020B0604020202020204" pitchFamily="34" charset="0"/>
+              </a:rPr>
+              <a:t>Cardona, G., </a:t>
+            </a:r>
+            <a:r>
+              <a:rPr lang="en-US" sz="1000" b="0" i="0" u="none" strike="noStrike" dirty="0" err="1">
+                <a:solidFill>
+                  <a:srgbClr val="000000"/>
+                </a:solidFill>
+                <a:effectLst/>
+                <a:latin typeface="Arial" panose="020B0604020202020204" pitchFamily="34" charset="0"/>
+                <a:cs typeface="Arial" panose="020B0604020202020204" pitchFamily="34" charset="0"/>
+              </a:rPr>
+              <a:t>Ferreri</a:t>
+            </a:r>
+            <a:r>
+              <a:rPr lang="en-US" sz="1000" b="0" i="0" u="none" strike="noStrike" dirty="0">
+                <a:solidFill>
+                  <a:srgbClr val="000000"/>
+                </a:solidFill>
+                <a:effectLst/>
+                <a:latin typeface="Arial" panose="020B0604020202020204" pitchFamily="34" charset="0"/>
+                <a:cs typeface="Arial" panose="020B0604020202020204" pitchFamily="34" charset="0"/>
+              </a:rPr>
+              <a:t>, L., Lorenzo-Seva, U., Russo, F. A., &amp; Rodriguez-</a:t>
+            </a:r>
+            <a:r>
+              <a:rPr lang="en-US" sz="1000" b="0" i="0" u="none" strike="noStrike" dirty="0" err="1">
+                <a:solidFill>
+                  <a:srgbClr val="000000"/>
+                </a:solidFill>
+                <a:effectLst/>
+                <a:latin typeface="Arial" panose="020B0604020202020204" pitchFamily="34" charset="0"/>
+                <a:cs typeface="Arial" panose="020B0604020202020204" pitchFamily="34" charset="0"/>
+              </a:rPr>
+              <a:t>Fornells</a:t>
+            </a:r>
+            <a:r>
+              <a:rPr lang="en-US" sz="1000" b="0" i="0" u="none" strike="noStrike" dirty="0">
+                <a:solidFill>
+                  <a:srgbClr val="000000"/>
+                </a:solidFill>
+                <a:effectLst/>
+                <a:latin typeface="Arial" panose="020B0604020202020204" pitchFamily="34" charset="0"/>
+                <a:cs typeface="Arial" panose="020B0604020202020204" pitchFamily="34" charset="0"/>
+              </a:rPr>
+              <a:t>, A. (2022). The forgotten role of absorption in music reward. Annals of the New York Academy of Sciences, 1514(1), 142–154.</a:t>
+            </a:r>
+          </a:p>
+          <a:p>
+            <a:pPr marL="306070" indent="-457200" rtl="0">
+              <a:spcBef>
+                <a:spcPts val="0"/>
+              </a:spcBef>
+              <a:spcAft>
+                <a:spcPts val="200"/>
+              </a:spcAft>
+              <a:buAutoNum type="arabicPeriod"/>
+            </a:pPr>
+            <a:r>
+              <a:rPr lang="en-US" sz="1000" b="0" i="0" u="none" strike="noStrike" dirty="0" err="1">
+                <a:solidFill>
+                  <a:srgbClr val="000000"/>
+                </a:solidFill>
+                <a:effectLst/>
+                <a:latin typeface="Arial" panose="020B0604020202020204" pitchFamily="34" charset="0"/>
+                <a:cs typeface="Arial" panose="020B0604020202020204" pitchFamily="34" charset="0"/>
+              </a:rPr>
+              <a:t>Müllensiefen</a:t>
+            </a:r>
+            <a:r>
+              <a:rPr lang="en-US" sz="1000" b="0" i="0" u="none" strike="noStrike" dirty="0">
+                <a:solidFill>
+                  <a:srgbClr val="000000"/>
+                </a:solidFill>
+                <a:effectLst/>
+                <a:latin typeface="Arial" panose="020B0604020202020204" pitchFamily="34" charset="0"/>
+                <a:cs typeface="Arial" panose="020B0604020202020204" pitchFamily="34" charset="0"/>
+              </a:rPr>
+              <a:t>, D., Gingras, B., </a:t>
+            </a:r>
+            <a:r>
+              <a:rPr lang="en-US" sz="1000" b="0" i="0" u="none" strike="noStrike" dirty="0" err="1">
+                <a:solidFill>
+                  <a:srgbClr val="000000"/>
+                </a:solidFill>
+                <a:effectLst/>
+                <a:latin typeface="Arial" panose="020B0604020202020204" pitchFamily="34" charset="0"/>
+                <a:cs typeface="Arial" panose="020B0604020202020204" pitchFamily="34" charset="0"/>
+              </a:rPr>
+              <a:t>Musil</a:t>
+            </a:r>
+            <a:r>
+              <a:rPr lang="en-US" sz="1000" b="0" i="0" u="none" strike="noStrike" dirty="0">
+                <a:solidFill>
+                  <a:srgbClr val="000000"/>
+                </a:solidFill>
+                <a:effectLst/>
+                <a:latin typeface="Arial" panose="020B0604020202020204" pitchFamily="34" charset="0"/>
+                <a:cs typeface="Arial" panose="020B0604020202020204" pitchFamily="34" charset="0"/>
+              </a:rPr>
+              <a:t>, J., &amp; Stewart, L. (2014). The Musicality of Non-Musicians: An Index for Assessing Musical Sophistication in the General Population. PLOS ONE, 9(2), e89642. </a:t>
+            </a:r>
+          </a:p>
+          <a:p>
+            <a:pPr marL="306070" indent="-457200" rtl="0">
+              <a:spcBef>
+                <a:spcPts val="0"/>
+              </a:spcBef>
+              <a:spcAft>
+                <a:spcPts val="200"/>
+              </a:spcAft>
+              <a:buAutoNum type="arabicPeriod"/>
+            </a:pPr>
+            <a:r>
+              <a:rPr lang="en-US" sz="1000" b="0" i="0" u="none" strike="noStrike" dirty="0">
+                <a:solidFill>
+                  <a:srgbClr val="000000"/>
+                </a:solidFill>
+                <a:effectLst/>
+                <a:latin typeface="Arial" panose="020B0604020202020204" pitchFamily="34" charset="0"/>
+                <a:cs typeface="Arial" panose="020B0604020202020204" pitchFamily="34" charset="0"/>
+              </a:rPr>
+              <a:t>Kathios, N., Sachs, M. E., Zhang, E., </a:t>
+            </a:r>
+            <a:r>
+              <a:rPr lang="en-US" sz="1000" b="0" i="0" u="none" strike="noStrike" dirty="0" err="1">
+                <a:solidFill>
+                  <a:srgbClr val="000000"/>
+                </a:solidFill>
+                <a:effectLst/>
+                <a:latin typeface="Arial" panose="020B0604020202020204" pitchFamily="34" charset="0"/>
+                <a:cs typeface="Arial" panose="020B0604020202020204" pitchFamily="34" charset="0"/>
+              </a:rPr>
+              <a:t>Ou</a:t>
+            </a:r>
+            <a:r>
+              <a:rPr lang="en-US" sz="1000" b="0" i="0" u="none" strike="noStrike" dirty="0">
+                <a:solidFill>
+                  <a:srgbClr val="000000"/>
+                </a:solidFill>
+                <a:effectLst/>
+                <a:latin typeface="Arial" panose="020B0604020202020204" pitchFamily="34" charset="0"/>
+                <a:cs typeface="Arial" panose="020B0604020202020204" pitchFamily="34" charset="0"/>
+              </a:rPr>
+              <a:t>, Y., &amp; Loui, P. (2022). Generating New Musical Preferences from Multi-level Mapping of Predictions to Reward. </a:t>
+            </a:r>
+            <a:r>
+              <a:rPr lang="en-US" sz="1000" b="0" i="0" u="none" strike="noStrike" dirty="0" err="1">
+                <a:solidFill>
+                  <a:srgbClr val="000000"/>
+                </a:solidFill>
+                <a:effectLst/>
+                <a:latin typeface="Arial" panose="020B0604020202020204" pitchFamily="34" charset="0"/>
+                <a:cs typeface="Arial" panose="020B0604020202020204" pitchFamily="34" charset="0"/>
+              </a:rPr>
+              <a:t>bioRxiv</a:t>
+            </a:r>
+            <a:r>
+              <a:rPr lang="en-US" sz="1000" b="0" i="0" u="none" strike="noStrike" dirty="0">
+                <a:solidFill>
+                  <a:srgbClr val="000000"/>
+                </a:solidFill>
+                <a:effectLst/>
+                <a:latin typeface="Arial" panose="020B0604020202020204" pitchFamily="34" charset="0"/>
+                <a:cs typeface="Arial" panose="020B0604020202020204" pitchFamily="34" charset="0"/>
+              </a:rPr>
+              <a:t>, 2022-06.</a:t>
+            </a:r>
+          </a:p>
+          <a:p>
+            <a:pPr marL="306070" indent="-457200" rtl="0">
+              <a:spcBef>
+                <a:spcPts val="0"/>
+              </a:spcBef>
+              <a:spcAft>
+                <a:spcPts val="200"/>
+              </a:spcAft>
+              <a:buAutoNum type="arabicPeriod"/>
+            </a:pPr>
+            <a:r>
+              <a:rPr lang="en-US" sz="1000" b="0" i="0" u="none" strike="noStrike" dirty="0">
+                <a:solidFill>
+                  <a:srgbClr val="000000"/>
+                </a:solidFill>
+                <a:effectLst/>
+                <a:latin typeface="Arial" panose="020B0604020202020204" pitchFamily="34" charset="0"/>
+                <a:cs typeface="Arial" panose="020B0604020202020204" pitchFamily="34" charset="0"/>
+              </a:rPr>
+              <a:t>Foulkes, L., Viding, E., McCrory, E., &amp; Neumann, C. (2014). Social Reward Questionnaire (SRQ): Development and validation. Frontiers in Psychology, 5.</a:t>
+            </a:r>
+          </a:p>
+          <a:p>
+            <a:pPr marL="306070" indent="-457200" rtl="0">
+              <a:spcBef>
+                <a:spcPts val="0"/>
+              </a:spcBef>
+              <a:spcAft>
+                <a:spcPts val="200"/>
+              </a:spcAft>
+              <a:buAutoNum type="arabicPeriod"/>
+            </a:pPr>
+            <a:r>
+              <a:rPr lang="en-US" sz="1000" b="0" i="0" u="none" strike="noStrike" dirty="0" err="1">
+                <a:solidFill>
+                  <a:srgbClr val="000000"/>
+                </a:solidFill>
+                <a:effectLst/>
+                <a:latin typeface="Arial" panose="020B0604020202020204" pitchFamily="34" charset="0"/>
+                <a:cs typeface="Arial" panose="020B0604020202020204" pitchFamily="34" charset="0"/>
+              </a:rPr>
+              <a:t>Wallentin</a:t>
+            </a:r>
+            <a:r>
+              <a:rPr lang="en-US" sz="1000" b="0" i="0" u="none" strike="noStrike" dirty="0">
+                <a:solidFill>
+                  <a:srgbClr val="000000"/>
+                </a:solidFill>
+                <a:effectLst/>
+                <a:latin typeface="Arial" panose="020B0604020202020204" pitchFamily="34" charset="0"/>
+                <a:cs typeface="Arial" panose="020B0604020202020204" pitchFamily="34" charset="0"/>
+              </a:rPr>
+              <a:t>, M., Nielsen, A. H., </a:t>
+            </a:r>
+            <a:r>
+              <a:rPr lang="en-US" sz="1000" b="0" i="0" u="none" strike="noStrike" dirty="0" err="1">
+                <a:solidFill>
+                  <a:srgbClr val="000000"/>
+                </a:solidFill>
+                <a:effectLst/>
+                <a:latin typeface="Arial" panose="020B0604020202020204" pitchFamily="34" charset="0"/>
+                <a:cs typeface="Arial" panose="020B0604020202020204" pitchFamily="34" charset="0"/>
+              </a:rPr>
+              <a:t>Friis-Olivarius</a:t>
+            </a:r>
+            <a:r>
+              <a:rPr lang="en-US" sz="1000" b="0" i="0" u="none" strike="noStrike" dirty="0">
+                <a:solidFill>
+                  <a:srgbClr val="000000"/>
+                </a:solidFill>
+                <a:effectLst/>
+                <a:latin typeface="Arial" panose="020B0604020202020204" pitchFamily="34" charset="0"/>
+                <a:cs typeface="Arial" panose="020B0604020202020204" pitchFamily="34" charset="0"/>
+              </a:rPr>
+              <a:t>, M., </a:t>
+            </a:r>
+            <a:r>
+              <a:rPr lang="en-US" sz="1000" b="0" i="0" u="none" strike="noStrike" dirty="0" err="1">
+                <a:solidFill>
+                  <a:srgbClr val="000000"/>
+                </a:solidFill>
+                <a:effectLst/>
+                <a:latin typeface="Arial" panose="020B0604020202020204" pitchFamily="34" charset="0"/>
+                <a:cs typeface="Arial" panose="020B0604020202020204" pitchFamily="34" charset="0"/>
+              </a:rPr>
+              <a:t>Vuust</a:t>
+            </a:r>
+            <a:r>
+              <a:rPr lang="en-US" sz="1000" b="0" i="0" u="none" strike="noStrike" dirty="0">
+                <a:solidFill>
+                  <a:srgbClr val="000000"/>
+                </a:solidFill>
+                <a:effectLst/>
+                <a:latin typeface="Arial" panose="020B0604020202020204" pitchFamily="34" charset="0"/>
+                <a:cs typeface="Arial" panose="020B0604020202020204" pitchFamily="34" charset="0"/>
+              </a:rPr>
+              <a:t>, C., &amp; </a:t>
+            </a:r>
+            <a:r>
+              <a:rPr lang="en-US" sz="1000" b="0" i="0" u="none" strike="noStrike" dirty="0" err="1">
+                <a:solidFill>
+                  <a:srgbClr val="000000"/>
+                </a:solidFill>
+                <a:effectLst/>
+                <a:latin typeface="Arial" panose="020B0604020202020204" pitchFamily="34" charset="0"/>
+                <a:cs typeface="Arial" panose="020B0604020202020204" pitchFamily="34" charset="0"/>
+              </a:rPr>
+              <a:t>Vuust</a:t>
+            </a:r>
+            <a:r>
+              <a:rPr lang="en-US" sz="1000" b="0" i="0" u="none" strike="noStrike" dirty="0">
+                <a:solidFill>
+                  <a:srgbClr val="000000"/>
+                </a:solidFill>
+                <a:effectLst/>
+                <a:latin typeface="Arial" panose="020B0604020202020204" pitchFamily="34" charset="0"/>
+                <a:cs typeface="Arial" panose="020B0604020202020204" pitchFamily="34" charset="0"/>
+              </a:rPr>
+              <a:t>, P. (2010). The Musical Ear Test, a new reliable test for measuring musical competence. Learning and Individual Differences, 20(3), 188–196. </a:t>
+            </a:r>
+          </a:p>
+          <a:p>
+            <a:pPr marL="306070" indent="-457200" rtl="0">
+              <a:spcBef>
+                <a:spcPts val="0"/>
+              </a:spcBef>
+              <a:spcAft>
+                <a:spcPts val="200"/>
+              </a:spcAft>
+              <a:buAutoNum type="arabicPeriod"/>
+            </a:pPr>
+            <a:r>
+              <a:rPr lang="en-US" sz="1000" b="0" i="0" u="none" strike="noStrike" dirty="0">
+                <a:solidFill>
+                  <a:srgbClr val="000000"/>
+                </a:solidFill>
+                <a:effectLst/>
+                <a:latin typeface="Arial" panose="020B0604020202020204" pitchFamily="34" charset="0"/>
+                <a:cs typeface="Arial" panose="020B0604020202020204" pitchFamily="34" charset="0"/>
+              </a:rPr>
+              <a:t>Spielberger, C. D., Gorsuch, R. L., </a:t>
+            </a:r>
+            <a:r>
+              <a:rPr lang="en-US" sz="1000" b="0" i="0" u="none" strike="noStrike" dirty="0" err="1">
+                <a:solidFill>
+                  <a:srgbClr val="000000"/>
+                </a:solidFill>
+                <a:effectLst/>
+                <a:latin typeface="Arial" panose="020B0604020202020204" pitchFamily="34" charset="0"/>
+                <a:cs typeface="Arial" panose="020B0604020202020204" pitchFamily="34" charset="0"/>
+              </a:rPr>
+              <a:t>Lushene</a:t>
+            </a:r>
+            <a:r>
+              <a:rPr lang="en-US" sz="1000" b="0" i="0" u="none" strike="noStrike" dirty="0">
+                <a:solidFill>
+                  <a:srgbClr val="000000"/>
+                </a:solidFill>
+                <a:effectLst/>
+                <a:latin typeface="Arial" panose="020B0604020202020204" pitchFamily="34" charset="0"/>
+                <a:cs typeface="Arial" panose="020B0604020202020204" pitchFamily="34" charset="0"/>
+              </a:rPr>
+              <a:t>, R., </a:t>
+            </a:r>
+            <a:r>
+              <a:rPr lang="en-US" sz="1000" b="0" i="0" u="none" strike="noStrike" dirty="0" err="1">
+                <a:solidFill>
+                  <a:srgbClr val="000000"/>
+                </a:solidFill>
+                <a:effectLst/>
+                <a:latin typeface="Arial" panose="020B0604020202020204" pitchFamily="34" charset="0"/>
+                <a:cs typeface="Arial" panose="020B0604020202020204" pitchFamily="34" charset="0"/>
+              </a:rPr>
+              <a:t>Vagg</a:t>
+            </a:r>
+            <a:r>
+              <a:rPr lang="en-US" sz="1000" b="0" i="0" u="none" strike="noStrike" dirty="0">
+                <a:solidFill>
+                  <a:srgbClr val="000000"/>
+                </a:solidFill>
+                <a:effectLst/>
+                <a:latin typeface="Arial" panose="020B0604020202020204" pitchFamily="34" charset="0"/>
+                <a:cs typeface="Arial" panose="020B0604020202020204" pitchFamily="34" charset="0"/>
+              </a:rPr>
+              <a:t>, P. R., &amp; Jacobs, L. (1970). Manual for the state-trait </a:t>
+            </a:r>
+            <a:r>
+              <a:rPr lang="en-US" sz="1000" dirty="0">
+                <a:latin typeface="Arial" panose="020B0604020202020204" pitchFamily="34" charset="0"/>
+                <a:cs typeface="Arial" panose="020B0604020202020204" pitchFamily="34" charset="0"/>
+              </a:rPr>
+              <a:t>a</a:t>
+            </a:r>
+            <a:r>
+              <a:rPr lang="en-US" sz="1000" b="0" i="0" u="none" strike="noStrike" dirty="0">
+                <a:solidFill>
+                  <a:srgbClr val="000000"/>
+                </a:solidFill>
+                <a:effectLst/>
+                <a:latin typeface="Arial" panose="020B0604020202020204" pitchFamily="34" charset="0"/>
+                <a:cs typeface="Arial" panose="020B0604020202020204" pitchFamily="34" charset="0"/>
+              </a:rPr>
+              <a:t>nxiety </a:t>
+            </a:r>
+            <a:r>
+              <a:rPr lang="en-US" sz="1000" dirty="0">
+                <a:latin typeface="Arial" panose="020B0604020202020204" pitchFamily="34" charset="0"/>
+                <a:cs typeface="Arial" panose="020B0604020202020204" pitchFamily="34" charset="0"/>
+              </a:rPr>
+              <a:t>i</a:t>
+            </a:r>
+            <a:r>
+              <a:rPr lang="en-US" sz="1000" b="0" i="0" u="none" strike="noStrike" dirty="0">
+                <a:solidFill>
+                  <a:srgbClr val="000000"/>
+                </a:solidFill>
+                <a:effectLst/>
+                <a:latin typeface="Arial" panose="020B0604020202020204" pitchFamily="34" charset="0"/>
+                <a:cs typeface="Arial" panose="020B0604020202020204" pitchFamily="34" charset="0"/>
+              </a:rPr>
+              <a:t>nventory. Consult. Psychol.</a:t>
+            </a:r>
+          </a:p>
+          <a:p>
+            <a:pPr marL="306070" indent="-457200" rtl="0">
+              <a:spcBef>
+                <a:spcPts val="0"/>
+              </a:spcBef>
+              <a:spcAft>
+                <a:spcPts val="200"/>
+              </a:spcAft>
+              <a:buAutoNum type="arabicPeriod"/>
+            </a:pPr>
+            <a:r>
+              <a:rPr lang="en-US" sz="1000" b="0" i="0" u="none" strike="noStrike" dirty="0">
+                <a:solidFill>
+                  <a:srgbClr val="000000"/>
+                </a:solidFill>
+                <a:effectLst/>
+                <a:latin typeface="Arial" panose="020B0604020202020204" pitchFamily="34" charset="0"/>
+                <a:cs typeface="Arial" panose="020B0604020202020204" pitchFamily="34" charset="0"/>
+              </a:rPr>
+              <a:t>Mas-Herrero, E., Marco-</a:t>
+            </a:r>
+            <a:r>
+              <a:rPr lang="en-US" sz="1000" b="0" i="0" u="none" strike="noStrike" dirty="0" err="1">
+                <a:solidFill>
+                  <a:srgbClr val="000000"/>
+                </a:solidFill>
+                <a:effectLst/>
+                <a:latin typeface="Arial" panose="020B0604020202020204" pitchFamily="34" charset="0"/>
+                <a:cs typeface="Arial" panose="020B0604020202020204" pitchFamily="34" charset="0"/>
+              </a:rPr>
+              <a:t>Pallares</a:t>
+            </a:r>
+            <a:r>
+              <a:rPr lang="en-US" sz="1000" b="0" i="0" u="none" strike="noStrike" dirty="0">
+                <a:solidFill>
+                  <a:srgbClr val="000000"/>
+                </a:solidFill>
+                <a:effectLst/>
+                <a:latin typeface="Arial" panose="020B0604020202020204" pitchFamily="34" charset="0"/>
+                <a:cs typeface="Arial" panose="020B0604020202020204" pitchFamily="34" charset="0"/>
+              </a:rPr>
+              <a:t>, J., Lorenzo-Seva, U., </a:t>
+            </a:r>
+            <a:r>
+              <a:rPr lang="en-US" sz="1000" b="0" i="0" u="none" strike="noStrike" dirty="0" err="1">
+                <a:solidFill>
+                  <a:srgbClr val="000000"/>
+                </a:solidFill>
+                <a:effectLst/>
+                <a:latin typeface="Arial" panose="020B0604020202020204" pitchFamily="34" charset="0"/>
+                <a:cs typeface="Arial" panose="020B0604020202020204" pitchFamily="34" charset="0"/>
+              </a:rPr>
+              <a:t>Zatorre</a:t>
+            </a:r>
+            <a:r>
+              <a:rPr lang="en-US" sz="1000" b="0" i="0" u="none" strike="noStrike" dirty="0">
+                <a:solidFill>
+                  <a:srgbClr val="000000"/>
+                </a:solidFill>
+                <a:effectLst/>
+                <a:latin typeface="Arial" panose="020B0604020202020204" pitchFamily="34" charset="0"/>
+                <a:cs typeface="Arial" panose="020B0604020202020204" pitchFamily="34" charset="0"/>
+              </a:rPr>
+              <a:t>, R. J., &amp; Rodriguez-</a:t>
+            </a:r>
+            <a:r>
+              <a:rPr lang="en-US" sz="1000" b="0" i="0" u="none" strike="noStrike" dirty="0" err="1">
+                <a:solidFill>
+                  <a:srgbClr val="000000"/>
+                </a:solidFill>
+                <a:effectLst/>
+                <a:latin typeface="Arial" panose="020B0604020202020204" pitchFamily="34" charset="0"/>
+                <a:cs typeface="Arial" panose="020B0604020202020204" pitchFamily="34" charset="0"/>
+              </a:rPr>
+              <a:t>Fornells</a:t>
+            </a:r>
+            <a:r>
+              <a:rPr lang="en-US" sz="1000" b="0" i="0" u="none" strike="noStrike" dirty="0">
+                <a:solidFill>
+                  <a:srgbClr val="000000"/>
+                </a:solidFill>
+                <a:effectLst/>
+                <a:latin typeface="Arial" panose="020B0604020202020204" pitchFamily="34" charset="0"/>
+                <a:cs typeface="Arial" panose="020B0604020202020204" pitchFamily="34" charset="0"/>
+              </a:rPr>
+              <a:t>, A. (2013). Individual Differences in Music Reward Experiences. Music Perception: An Interdisciplinary Journal, 31(2), 118–138. </a:t>
+            </a:r>
+            <a:endParaRPr lang="en-US" sz="1000" dirty="0">
+              <a:latin typeface="Arial" panose="020B0604020202020204" pitchFamily="34" charset="0"/>
+              <a:cs typeface="Arial" panose="020B0604020202020204" pitchFamily="34" charset="0"/>
+            </a:endParaRPr>
+          </a:p>
+        </p:txBody>
+      </p:sp>
+      <p:sp>
+        <p:nvSpPr>
+          <p:cNvPr id="58" name="TextBox 57">
+            <a:extLst>
+              <a:ext uri="{FF2B5EF4-FFF2-40B4-BE49-F238E27FC236}">
+                <a16:creationId xmlns:a16="http://schemas.microsoft.com/office/drawing/2014/main" id="{E60B3ED0-592B-E673-FD56-93851FAD5223}"/>
+              </a:ext>
+            </a:extLst>
+          </p:cNvPr>
+          <p:cNvSpPr txBox="1"/>
+          <p:nvPr/>
+        </p:nvSpPr>
+        <p:spPr>
+          <a:xfrm>
+            <a:off x="12188910" y="30951950"/>
+            <a:ext cx="1642400" cy="523220"/>
+          </a:xfrm>
+          <a:prstGeom prst="rect">
+            <a:avLst/>
+          </a:prstGeom>
+          <a:noFill/>
+        </p:spPr>
+        <p:txBody>
+          <a:bodyPr wrap="square" rtlCol="0">
+            <a:spAutoFit/>
+          </a:bodyPr>
+          <a:lstStyle/>
+          <a:p>
+            <a:r>
+              <a:rPr lang="en-US" sz="2800" dirty="0" err="1"/>
+              <a:t>GoldMSI</a:t>
+            </a:r>
+            <a:endParaRPr lang="en-US" sz="2800" dirty="0"/>
+          </a:p>
+        </p:txBody>
+      </p:sp>
+      <p:sp>
+        <p:nvSpPr>
+          <p:cNvPr id="59" name="TextBox 58">
+            <a:extLst>
+              <a:ext uri="{FF2B5EF4-FFF2-40B4-BE49-F238E27FC236}">
+                <a16:creationId xmlns:a16="http://schemas.microsoft.com/office/drawing/2014/main" id="{CAB88B2F-47BB-3D5B-021F-74639CE914B1}"/>
+              </a:ext>
+            </a:extLst>
+          </p:cNvPr>
+          <p:cNvSpPr txBox="1"/>
+          <p:nvPr/>
+        </p:nvSpPr>
+        <p:spPr>
+          <a:xfrm>
+            <a:off x="16502879" y="31017357"/>
+            <a:ext cx="2886191" cy="523220"/>
+          </a:xfrm>
+          <a:prstGeom prst="rect">
+            <a:avLst/>
+          </a:prstGeom>
+          <a:noFill/>
+        </p:spPr>
+        <p:txBody>
+          <a:bodyPr wrap="square" rtlCol="0">
+            <a:spAutoFit/>
+          </a:bodyPr>
+          <a:lstStyle/>
+          <a:p>
+            <a:r>
+              <a:rPr lang="en-US" sz="2800" dirty="0"/>
+              <a:t>BMRQ and SRQ</a:t>
+            </a:r>
+          </a:p>
+        </p:txBody>
+      </p:sp>
+      <p:sp>
+        <p:nvSpPr>
+          <p:cNvPr id="60" name="TextBox 59">
+            <a:extLst>
+              <a:ext uri="{FF2B5EF4-FFF2-40B4-BE49-F238E27FC236}">
+                <a16:creationId xmlns:a16="http://schemas.microsoft.com/office/drawing/2014/main" id="{4C17D5B9-2A56-1730-2796-21B35E4ED3B2}"/>
+              </a:ext>
+            </a:extLst>
+          </p:cNvPr>
+          <p:cNvSpPr txBox="1"/>
+          <p:nvPr/>
+        </p:nvSpPr>
+        <p:spPr>
+          <a:xfrm>
+            <a:off x="14194797" y="35619869"/>
+            <a:ext cx="1938818" cy="523220"/>
+          </a:xfrm>
+          <a:prstGeom prst="rect">
+            <a:avLst/>
+          </a:prstGeom>
+          <a:noFill/>
+        </p:spPr>
+        <p:txBody>
+          <a:bodyPr wrap="square" rtlCol="0">
+            <a:spAutoFit/>
+          </a:bodyPr>
+          <a:lstStyle/>
+          <a:p>
+            <a:r>
+              <a:rPr lang="en-US" sz="2800" dirty="0"/>
+              <a:t>Adversity</a:t>
+            </a:r>
+          </a:p>
+        </p:txBody>
+      </p:sp>
+      <p:pic>
+        <p:nvPicPr>
+          <p:cNvPr id="72" name="Picture 71">
+            <a:extLst>
+              <a:ext uri="{FF2B5EF4-FFF2-40B4-BE49-F238E27FC236}">
+                <a16:creationId xmlns:a16="http://schemas.microsoft.com/office/drawing/2014/main" id="{5EC53F96-50A8-B84E-F134-F20956D04839}"/>
+              </a:ext>
+            </a:extLst>
+          </p:cNvPr>
+          <p:cNvPicPr>
+            <a:picLocks noChangeAspect="1"/>
+          </p:cNvPicPr>
+          <p:nvPr/>
+        </p:nvPicPr>
+        <p:blipFill rotWithShape="1">
+          <a:blip r:embed="rId16"/>
+          <a:srcRect l="5866" t="4988" r="6139" b="3265"/>
+          <a:stretch/>
+        </p:blipFill>
+        <p:spPr>
+          <a:xfrm>
+            <a:off x="10528158" y="31461401"/>
+            <a:ext cx="4765159" cy="3859424"/>
+          </a:xfrm>
+          <a:prstGeom prst="rect">
+            <a:avLst/>
+          </a:prstGeom>
+        </p:spPr>
+      </p:pic>
+      <p:pic>
+        <p:nvPicPr>
+          <p:cNvPr id="74" name="Picture 73">
+            <a:extLst>
+              <a:ext uri="{FF2B5EF4-FFF2-40B4-BE49-F238E27FC236}">
+                <a16:creationId xmlns:a16="http://schemas.microsoft.com/office/drawing/2014/main" id="{EC9C9BA1-C4DD-A143-81C4-A621E9123FDD}"/>
+              </a:ext>
+            </a:extLst>
+          </p:cNvPr>
+          <p:cNvPicPr>
+            <a:picLocks noChangeAspect="1"/>
+          </p:cNvPicPr>
+          <p:nvPr/>
+        </p:nvPicPr>
+        <p:blipFill rotWithShape="1">
+          <a:blip r:embed="rId17"/>
+          <a:srcRect l="4412" t="2842" r="2451" b="3706"/>
+          <a:stretch/>
+        </p:blipFill>
+        <p:spPr>
+          <a:xfrm>
+            <a:off x="15463121" y="31488962"/>
+            <a:ext cx="4627253" cy="3859424"/>
+          </a:xfrm>
+          <a:prstGeom prst="rect">
+            <a:avLst/>
+          </a:prstGeom>
+        </p:spPr>
+      </p:pic>
+      <p:pic>
+        <p:nvPicPr>
+          <p:cNvPr id="76" name="Picture 75">
+            <a:extLst>
+              <a:ext uri="{FF2B5EF4-FFF2-40B4-BE49-F238E27FC236}">
+                <a16:creationId xmlns:a16="http://schemas.microsoft.com/office/drawing/2014/main" id="{3424AD77-78EB-73FD-4928-64E6EC3F22A7}"/>
+              </a:ext>
+            </a:extLst>
+          </p:cNvPr>
+          <p:cNvPicPr>
+            <a:picLocks noChangeAspect="1"/>
+          </p:cNvPicPr>
+          <p:nvPr/>
+        </p:nvPicPr>
+        <p:blipFill rotWithShape="1">
+          <a:blip r:embed="rId18"/>
+          <a:srcRect l="2239" t="2839" r="2859" b="3915"/>
+          <a:stretch/>
+        </p:blipFill>
+        <p:spPr>
+          <a:xfrm>
+            <a:off x="12782104" y="36249564"/>
+            <a:ext cx="4627253" cy="3919086"/>
+          </a:xfrm>
+          <a:prstGeom prst="rect">
+            <a:avLst/>
+          </a:prstGeom>
+        </p:spPr>
+      </p:pic>
+      <p:pic>
+        <p:nvPicPr>
+          <p:cNvPr id="78" name="Picture 77">
+            <a:extLst>
+              <a:ext uri="{FF2B5EF4-FFF2-40B4-BE49-F238E27FC236}">
+                <a16:creationId xmlns:a16="http://schemas.microsoft.com/office/drawing/2014/main" id="{E76D46B2-2E10-FBB3-1064-CBD0BC44AFA1}"/>
+              </a:ext>
+            </a:extLst>
+          </p:cNvPr>
+          <p:cNvPicPr>
+            <a:picLocks noChangeAspect="1"/>
+          </p:cNvPicPr>
+          <p:nvPr/>
+        </p:nvPicPr>
+        <p:blipFill>
+          <a:blip r:embed="rId19"/>
+          <a:stretch>
+            <a:fillRect/>
+          </a:stretch>
+        </p:blipFill>
+        <p:spPr>
+          <a:xfrm>
+            <a:off x="20587044" y="15458030"/>
+            <a:ext cx="3959993" cy="1766194"/>
+          </a:xfrm>
+          <a:prstGeom prst="rect">
+            <a:avLst/>
+          </a:prstGeom>
+        </p:spPr>
+      </p:pic>
+      <p:sp>
+        <p:nvSpPr>
+          <p:cNvPr id="79" name="Google Shape;100;p1">
+            <a:extLst>
+              <a:ext uri="{FF2B5EF4-FFF2-40B4-BE49-F238E27FC236}">
+                <a16:creationId xmlns:a16="http://schemas.microsoft.com/office/drawing/2014/main" id="{C051FED4-6B1F-F4B9-43FD-F40A9A5D4B43}"/>
+              </a:ext>
+            </a:extLst>
+          </p:cNvPr>
+          <p:cNvSpPr/>
+          <p:nvPr/>
+        </p:nvSpPr>
+        <p:spPr>
+          <a:xfrm>
+            <a:off x="20407281" y="14205476"/>
+            <a:ext cx="9542907" cy="885100"/>
+          </a:xfrm>
+          <a:prstGeom prst="rect">
+            <a:avLst/>
+          </a:prstGeom>
+          <a:solidFill>
+            <a:srgbClr val="9A0000"/>
+          </a:solidFill>
+          <a:ln w="12700" cap="flat" cmpd="sng">
+            <a:noFill/>
+            <a:prstDash val="solid"/>
+            <a:miter lim="800000"/>
+            <a:headEnd type="none" w="sm" len="sm"/>
+            <a:tailEnd type="none" w="sm" len="sm"/>
+          </a:ln>
+        </p:spPr>
+        <p:txBody>
+          <a:bodyPr spcFirstLastPara="1" wrap="square" lIns="62856" tIns="31418" rIns="62856" bIns="31418" anchor="ctr" anchorCtr="0">
+            <a:noAutofit/>
+          </a:bodyPr>
+          <a:lstStyle/>
+          <a:p>
+            <a:pPr algn="ctr"/>
+            <a:r>
+              <a:rPr lang="en-US" sz="3578" b="1" dirty="0">
+                <a:solidFill>
+                  <a:schemeClr val="lt1"/>
+                </a:solidFill>
+                <a:latin typeface="Arial" panose="020B0604020202020204" pitchFamily="34" charset="0"/>
+                <a:ea typeface="Helvetica Neue"/>
+                <a:cs typeface="Arial" panose="020B0604020202020204" pitchFamily="34" charset="0"/>
+                <a:sym typeface="Helvetica Neue"/>
+              </a:rPr>
+              <a:t>Test-Retest Reliability </a:t>
+            </a:r>
+            <a:endParaRPr sz="3578" dirty="0">
+              <a:latin typeface="Arial" panose="020B0604020202020204" pitchFamily="34" charset="0"/>
+              <a:cs typeface="Arial" panose="020B0604020202020204" pitchFamily="34" charset="0"/>
+            </a:endParaRPr>
+          </a:p>
+        </p:txBody>
+      </p:sp>
+      <p:sp>
+        <p:nvSpPr>
+          <p:cNvPr id="80" name="TextBox 79">
+            <a:extLst>
+              <a:ext uri="{FF2B5EF4-FFF2-40B4-BE49-F238E27FC236}">
+                <a16:creationId xmlns:a16="http://schemas.microsoft.com/office/drawing/2014/main" id="{7FF8872B-959E-3A50-5330-D1402627A927}"/>
+              </a:ext>
+            </a:extLst>
+          </p:cNvPr>
+          <p:cNvSpPr txBox="1"/>
+          <p:nvPr/>
+        </p:nvSpPr>
+        <p:spPr>
+          <a:xfrm>
+            <a:off x="20768501" y="17649779"/>
+            <a:ext cx="3403292" cy="1200329"/>
+          </a:xfrm>
+          <a:prstGeom prst="rect">
+            <a:avLst/>
+          </a:prstGeom>
+          <a:noFill/>
+        </p:spPr>
+        <p:txBody>
+          <a:bodyPr wrap="square" rtlCol="0">
+            <a:spAutoFit/>
+          </a:bodyPr>
+          <a:lstStyle/>
+          <a:p>
+            <a:pPr algn="ctr"/>
+            <a:r>
+              <a:rPr lang="en-US" sz="3600" dirty="0"/>
+              <a:t>Time to Retest = 4 months</a:t>
+            </a:r>
+          </a:p>
+        </p:txBody>
+      </p:sp>
+      <p:sp>
+        <p:nvSpPr>
+          <p:cNvPr id="82" name="TextBox 81">
+            <a:extLst>
+              <a:ext uri="{FF2B5EF4-FFF2-40B4-BE49-F238E27FC236}">
+                <a16:creationId xmlns:a16="http://schemas.microsoft.com/office/drawing/2014/main" id="{6EDDF318-A77D-B7A0-8FBA-9382B7F13A36}"/>
+              </a:ext>
+            </a:extLst>
+          </p:cNvPr>
+          <p:cNvSpPr txBox="1"/>
+          <p:nvPr/>
+        </p:nvSpPr>
+        <p:spPr>
+          <a:xfrm>
+            <a:off x="27273459" y="6100385"/>
+            <a:ext cx="3438226" cy="707886"/>
+          </a:xfrm>
+          <a:prstGeom prst="rect">
+            <a:avLst/>
+          </a:prstGeom>
+          <a:noFill/>
+        </p:spPr>
+        <p:txBody>
+          <a:bodyPr wrap="square">
+            <a:spAutoFit/>
+          </a:bodyPr>
+          <a:lstStyle/>
+          <a:p>
+            <a:r>
+              <a:rPr lang="en-US" sz="2000" i="1" dirty="0"/>
+              <a:t>r </a:t>
+            </a:r>
+            <a:r>
+              <a:rPr lang="en-US" sz="2000" dirty="0"/>
+              <a:t>= 0.21, </a:t>
+            </a:r>
+          </a:p>
+          <a:p>
+            <a:r>
+              <a:rPr lang="en-US" sz="2000" i="1" dirty="0"/>
+              <a:t>p</a:t>
+            </a:r>
+            <a:r>
+              <a:rPr lang="en-US" sz="2000" dirty="0"/>
+              <a:t> &lt; .001</a:t>
+            </a:r>
+          </a:p>
+        </p:txBody>
+      </p:sp>
+      <p:sp>
+        <p:nvSpPr>
+          <p:cNvPr id="83" name="TextBox 82">
+            <a:extLst>
+              <a:ext uri="{FF2B5EF4-FFF2-40B4-BE49-F238E27FC236}">
+                <a16:creationId xmlns:a16="http://schemas.microsoft.com/office/drawing/2014/main" id="{3D98668F-5271-4E7E-0925-78A76EBCD06F}"/>
+              </a:ext>
+            </a:extLst>
+          </p:cNvPr>
+          <p:cNvSpPr txBox="1"/>
+          <p:nvPr/>
+        </p:nvSpPr>
+        <p:spPr>
+          <a:xfrm>
+            <a:off x="27273459" y="9371320"/>
+            <a:ext cx="3438226" cy="707886"/>
+          </a:xfrm>
+          <a:prstGeom prst="rect">
+            <a:avLst/>
+          </a:prstGeom>
+          <a:noFill/>
+        </p:spPr>
+        <p:txBody>
+          <a:bodyPr wrap="square">
+            <a:spAutoFit/>
+          </a:bodyPr>
+          <a:lstStyle/>
+          <a:p>
+            <a:r>
+              <a:rPr lang="en-US" sz="2000" i="1" dirty="0"/>
+              <a:t>r</a:t>
+            </a:r>
+            <a:r>
+              <a:rPr lang="en-US" sz="2000" dirty="0"/>
+              <a:t> = -0.15,</a:t>
+            </a:r>
+          </a:p>
+          <a:p>
+            <a:r>
+              <a:rPr lang="en-US" sz="2000" i="1" dirty="0"/>
+              <a:t>p </a:t>
+            </a:r>
+            <a:r>
+              <a:rPr lang="en-US" sz="2000" dirty="0"/>
+              <a:t>= .01</a:t>
+            </a:r>
+          </a:p>
+        </p:txBody>
+      </p:sp>
+      <p:pic>
+        <p:nvPicPr>
+          <p:cNvPr id="29" name="Picture 28">
+            <a:extLst>
+              <a:ext uri="{FF2B5EF4-FFF2-40B4-BE49-F238E27FC236}">
+                <a16:creationId xmlns:a16="http://schemas.microsoft.com/office/drawing/2014/main" id="{2A6C4004-54C2-4BAE-EEF5-93963B6F1E42}"/>
+              </a:ext>
+            </a:extLst>
+          </p:cNvPr>
+          <p:cNvPicPr>
+            <a:picLocks noChangeAspect="1"/>
+          </p:cNvPicPr>
+          <p:nvPr/>
+        </p:nvPicPr>
+        <p:blipFill rotWithShape="1">
+          <a:blip r:embed="rId20"/>
+          <a:srcRect l="2179" t="1515" r="1747" b="1550"/>
+          <a:stretch/>
+        </p:blipFill>
+        <p:spPr>
+          <a:xfrm>
+            <a:off x="24772120" y="15251180"/>
+            <a:ext cx="4858905" cy="4769393"/>
+          </a:xfrm>
+          <a:prstGeom prst="rect">
+            <a:avLst/>
+          </a:prstGeom>
+        </p:spPr>
+      </p:pic>
+      <p:pic>
+        <p:nvPicPr>
+          <p:cNvPr id="40" name="Picture 39">
+            <a:extLst>
+              <a:ext uri="{FF2B5EF4-FFF2-40B4-BE49-F238E27FC236}">
+                <a16:creationId xmlns:a16="http://schemas.microsoft.com/office/drawing/2014/main" id="{16B815F0-2E34-F193-269D-215E3538161F}"/>
+              </a:ext>
+            </a:extLst>
+          </p:cNvPr>
+          <p:cNvPicPr>
+            <a:picLocks noChangeAspect="1"/>
+          </p:cNvPicPr>
+          <p:nvPr/>
+        </p:nvPicPr>
+        <p:blipFill rotWithShape="1">
+          <a:blip r:embed="rId21"/>
+          <a:srcRect t="67216" r="82949" b="1"/>
+          <a:stretch/>
+        </p:blipFill>
+        <p:spPr>
+          <a:xfrm>
+            <a:off x="20679320" y="16668603"/>
+            <a:ext cx="785721" cy="540329"/>
+          </a:xfrm>
+          <a:prstGeom prst="rect">
+            <a:avLst/>
+          </a:prstGeom>
+        </p:spPr>
+      </p:pic>
+      <p:pic>
+        <p:nvPicPr>
+          <p:cNvPr id="43" name="Picture 42">
+            <a:extLst>
+              <a:ext uri="{FF2B5EF4-FFF2-40B4-BE49-F238E27FC236}">
+                <a16:creationId xmlns:a16="http://schemas.microsoft.com/office/drawing/2014/main" id="{52F24788-016F-8CC0-63A3-7280D0C8DE9C}"/>
+              </a:ext>
+            </a:extLst>
+          </p:cNvPr>
+          <p:cNvPicPr>
+            <a:picLocks noChangeAspect="1"/>
+          </p:cNvPicPr>
+          <p:nvPr/>
+        </p:nvPicPr>
+        <p:blipFill>
+          <a:blip r:embed="rId22"/>
+          <a:stretch>
+            <a:fillRect/>
+          </a:stretch>
+        </p:blipFill>
+        <p:spPr>
+          <a:xfrm>
+            <a:off x="21951631" y="10786704"/>
+            <a:ext cx="5321828" cy="3274971"/>
+          </a:xfrm>
+          <a:prstGeom prst="rect">
+            <a:avLst/>
+          </a:prstGeom>
+        </p:spPr>
+      </p:pic>
+      <p:sp>
+        <p:nvSpPr>
+          <p:cNvPr id="49" name="TextBox 48">
+            <a:extLst>
+              <a:ext uri="{FF2B5EF4-FFF2-40B4-BE49-F238E27FC236}">
+                <a16:creationId xmlns:a16="http://schemas.microsoft.com/office/drawing/2014/main" id="{6B5CA2F5-607A-E6C6-D635-93F08F14D487}"/>
+              </a:ext>
+            </a:extLst>
+          </p:cNvPr>
+          <p:cNvSpPr txBox="1"/>
+          <p:nvPr/>
+        </p:nvSpPr>
+        <p:spPr>
+          <a:xfrm>
+            <a:off x="27207951" y="12846973"/>
+            <a:ext cx="3438226" cy="707886"/>
+          </a:xfrm>
+          <a:prstGeom prst="rect">
+            <a:avLst/>
+          </a:prstGeom>
+          <a:noFill/>
+        </p:spPr>
+        <p:txBody>
+          <a:bodyPr wrap="square">
+            <a:spAutoFit/>
+          </a:bodyPr>
+          <a:lstStyle/>
+          <a:p>
+            <a:r>
+              <a:rPr lang="en-US" sz="2000" i="1" dirty="0"/>
+              <a:t>r</a:t>
+            </a:r>
+            <a:r>
+              <a:rPr lang="en-US" sz="2000" dirty="0"/>
+              <a:t> = 0.36,</a:t>
+            </a:r>
+          </a:p>
+          <a:p>
+            <a:r>
+              <a:rPr lang="en-US" sz="2000" i="1" dirty="0"/>
+              <a:t>p &lt; </a:t>
+            </a:r>
+            <a:r>
+              <a:rPr lang="en-US" sz="2000" dirty="0"/>
+              <a:t>.001</a:t>
+            </a:r>
           </a:p>
         </p:txBody>
       </p:sp>
@@ -11422,6 +14185,11 @@
   <p:clrMapOvr>
     <a:masterClrMapping/>
   </p:clrMapOvr>
+  <p:extLst>
+    <p:ext uri="{6950BFC3-D8DA-4A85-94F7-54DA5524770B}">
+      <p188:commentRel xmlns:p188="http://schemas.microsoft.com/office/powerpoint/2018/8/main" r:id="rId3"/>
+    </p:ext>
+  </p:extLst>
 </p:sld>
 </file>
 

--- a/presentations/ICMPC23/Music@HomeICMPC23.pptx
+++ b/presentations/ICMPC23/Music@HomeICMPC23.pptx
@@ -255,7 +255,7 @@
       <p15:sldGuideLst xmlns:p15="http://schemas.microsoft.com/office/powerpoint/2012/main"/>
     </p:ext>
     <p:ext uri="http://customooxmlschemas.google.com/">
-      <go:slidesCustomData xmlns:go="http://customooxmlschemas.google.com/" xmlns:ahyp="http://schemas.microsoft.com/office/drawing/2018/hyperlinkcolor" xmlns:p15="http://schemas.microsoft.com/office/powerpoint/2012/main" xmlns:p14="http://schemas.microsoft.com/office/powerpoint/2010/main" xmlns:com="http://schemas.openxmlformats.org/drawingml/2006/compatibility" xmlns:pvml="urn:schemas-microsoft-com:office:powerpoint" xmlns:v="urn:schemas-microsoft-com:vml" xmlns:o="urn:schemas-microsoft-com:office:office" xmlns:dgm="http://schemas.openxmlformats.org/drawingml/2006/diagram" xmlns:c="http://schemas.openxmlformats.org/drawingml/2006/chart" xmlns:mv="urn:schemas-microsoft-com:mac:vml" xmlns:mc="http://schemas.openxmlformats.org/markup-compatibility/2006" xmlns="" r:id="rId12" roundtripDataSignature="AMtx7mgUZ/EanI988gELEzf8evnhnh3MyA=="/>
+      <go:slidesCustomData xmlns="" xmlns:mc="http://schemas.openxmlformats.org/markup-compatibility/2006" xmlns:mv="urn:schemas-microsoft-com:mac:vml" xmlns:c="http://schemas.openxmlformats.org/drawingml/2006/chart" xmlns:dgm="http://schemas.openxmlformats.org/drawingml/2006/diagram" xmlns:o="urn:schemas-microsoft-com:office:office" xmlns:v="urn:schemas-microsoft-com:vml" xmlns:pvml="urn:schemas-microsoft-com:office:powerpoint" xmlns:com="http://schemas.openxmlformats.org/drawingml/2006/compatibility" xmlns:p14="http://schemas.microsoft.com/office/powerpoint/2010/main" xmlns:p15="http://schemas.microsoft.com/office/powerpoint/2012/main" xmlns:ahyp="http://schemas.microsoft.com/office/drawing/2018/hyperlinkcolor" xmlns:go="http://customooxmlschemas.google.com/" r:id="rId12" roundtripDataSignature="AMtx7mgUZ/EanI988gELEzf8evnhnh3MyA=="/>
     </p:ext>
   </p:extLst>
 </p:presentation>
